--- a/Project Plan/Team 3 Vision and Proejct Plan.pptx
+++ b/Project Plan/Team 3 Vision and Proejct Plan.pptx
@@ -4,6 +4,12 @@
   <p:sldMasterIdLst>
     <p:sldMasterId id="2147483708" r:id="rId1"/>
   </p:sldMasterIdLst>
+  <p:notesMasterIdLst>
+    <p:notesMasterId r:id="rId18"/>
+  </p:notesMasterIdLst>
+  <p:handoutMasterIdLst>
+    <p:handoutMasterId r:id="rId19"/>
+  </p:handoutMasterIdLst>
   <p:sldIdLst>
     <p:sldId id="265" r:id="rId2"/>
     <p:sldId id="266" r:id="rId3"/>
@@ -122,6 +128,523 @@
 </p:presentation>
 </file>
 
+<file path=ppt/handoutMasters/handoutMaster1.xml><?xml version="1.0" encoding="utf-8"?>
+<p:handoutMaster xmlns:a="http://schemas.openxmlformats.org/drawingml/2006/main" xmlns:r="http://schemas.openxmlformats.org/officeDocument/2006/relationships" xmlns:p="http://schemas.openxmlformats.org/presentationml/2006/main">
+  <p:cSld>
+    <p:bg>
+      <p:bgRef idx="1001">
+        <a:schemeClr val="bg1"/>
+      </p:bgRef>
+    </p:bg>
+    <p:spTree>
+      <p:nvGrpSpPr>
+        <p:cNvPr id="1" name=""/>
+        <p:cNvGrpSpPr/>
+        <p:nvPr/>
+      </p:nvGrpSpPr>
+      <p:grpSpPr>
+        <a:xfrm>
+          <a:off x="0" y="0"/>
+          <a:ext cx="0" cy="0"/>
+          <a:chOff x="0" y="0"/>
+          <a:chExt cx="0" cy="0"/>
+        </a:xfrm>
+      </p:grpSpPr>
+      <p:sp>
+        <p:nvSpPr>
+          <p:cNvPr id="2" name="Header Placeholder 1"/>
+          <p:cNvSpPr>
+            <a:spLocks noGrp="1"/>
+          </p:cNvSpPr>
+          <p:nvPr>
+            <p:ph type="hdr" sz="quarter"/>
+          </p:nvPr>
+        </p:nvSpPr>
+        <p:spPr>
+          <a:xfrm>
+            <a:off x="0" y="0"/>
+            <a:ext cx="2971800" cy="457200"/>
+          </a:xfrm>
+          <a:prstGeom prst="rect">
+            <a:avLst/>
+          </a:prstGeom>
+        </p:spPr>
+        <p:txBody>
+          <a:bodyPr vert="horz" lIns="91440" tIns="45720" rIns="91440" bIns="45720" rtlCol="0"/>
+          <a:lstStyle>
+            <a:lvl1pPr algn="l">
+              <a:defRPr sz="1200"/>
+            </a:lvl1pPr>
+          </a:lstStyle>
+          <a:p>
+            <a:endParaRPr lang="en-US"/>
+          </a:p>
+        </p:txBody>
+      </p:sp>
+      <p:sp>
+        <p:nvSpPr>
+          <p:cNvPr id="3" name="Date Placeholder 2"/>
+          <p:cNvSpPr>
+            <a:spLocks noGrp="1"/>
+          </p:cNvSpPr>
+          <p:nvPr>
+            <p:ph type="dt" sz="quarter" idx="1"/>
+          </p:nvPr>
+        </p:nvSpPr>
+        <p:spPr>
+          <a:xfrm>
+            <a:off x="3884613" y="0"/>
+            <a:ext cx="2971800" cy="457200"/>
+          </a:xfrm>
+          <a:prstGeom prst="rect">
+            <a:avLst/>
+          </a:prstGeom>
+        </p:spPr>
+        <p:txBody>
+          <a:bodyPr vert="horz" lIns="91440" tIns="45720" rIns="91440" bIns="45720" rtlCol="0"/>
+          <a:lstStyle>
+            <a:lvl1pPr algn="r">
+              <a:defRPr sz="1200"/>
+            </a:lvl1pPr>
+          </a:lstStyle>
+          <a:p>
+            <a:fld id="{B8A304AA-2D58-F447-8E23-649D73DC13B5}" type="datetimeFigureOut">
+              <a:rPr lang="en-US" smtClean="0"/>
+              <a:t>9/16/13</a:t>
+            </a:fld>
+            <a:endParaRPr lang="en-US"/>
+          </a:p>
+        </p:txBody>
+      </p:sp>
+      <p:sp>
+        <p:nvSpPr>
+          <p:cNvPr id="4" name="Footer Placeholder 3"/>
+          <p:cNvSpPr>
+            <a:spLocks noGrp="1"/>
+          </p:cNvSpPr>
+          <p:nvPr>
+            <p:ph type="ftr" sz="quarter" idx="2"/>
+          </p:nvPr>
+        </p:nvSpPr>
+        <p:spPr>
+          <a:xfrm>
+            <a:off x="0" y="8685213"/>
+            <a:ext cx="2971800" cy="457200"/>
+          </a:xfrm>
+          <a:prstGeom prst="rect">
+            <a:avLst/>
+          </a:prstGeom>
+        </p:spPr>
+        <p:txBody>
+          <a:bodyPr vert="horz" lIns="91440" tIns="45720" rIns="91440" bIns="45720" rtlCol="0" anchor="b"/>
+          <a:lstStyle>
+            <a:lvl1pPr algn="l">
+              <a:defRPr sz="1200"/>
+            </a:lvl1pPr>
+          </a:lstStyle>
+          <a:p>
+            <a:endParaRPr lang="en-US"/>
+          </a:p>
+        </p:txBody>
+      </p:sp>
+      <p:sp>
+        <p:nvSpPr>
+          <p:cNvPr id="5" name="Slide Number Placeholder 4"/>
+          <p:cNvSpPr>
+            <a:spLocks noGrp="1"/>
+          </p:cNvSpPr>
+          <p:nvPr>
+            <p:ph type="sldNum" sz="quarter" idx="3"/>
+          </p:nvPr>
+        </p:nvSpPr>
+        <p:spPr>
+          <a:xfrm>
+            <a:off x="3884613" y="8685213"/>
+            <a:ext cx="2971800" cy="457200"/>
+          </a:xfrm>
+          <a:prstGeom prst="rect">
+            <a:avLst/>
+          </a:prstGeom>
+        </p:spPr>
+        <p:txBody>
+          <a:bodyPr vert="horz" lIns="91440" tIns="45720" rIns="91440" bIns="45720" rtlCol="0" anchor="b"/>
+          <a:lstStyle>
+            <a:lvl1pPr algn="r">
+              <a:defRPr sz="1200"/>
+            </a:lvl1pPr>
+          </a:lstStyle>
+          <a:p>
+            <a:fld id="{B0765F85-0957-994F-ACF9-A2A8B1D6030B}" type="slidenum">
+              <a:rPr lang="en-US" smtClean="0"/>
+              <a:t>‹#›</a:t>
+            </a:fld>
+            <a:endParaRPr lang="en-US"/>
+          </a:p>
+        </p:txBody>
+      </p:sp>
+    </p:spTree>
+    <p:extLst>
+      <p:ext uri="{BB962C8B-B14F-4D97-AF65-F5344CB8AC3E}">
+        <p14:creationId xmlns:p14="http://schemas.microsoft.com/office/powerpoint/2010/main" val="2955103190"/>
+      </p:ext>
+    </p:extLst>
+  </p:cSld>
+  <p:clrMap bg1="lt1" tx1="dk1" bg2="lt2" tx2="dk2" accent1="accent1" accent2="accent2" accent3="accent3" accent4="accent4" accent5="accent5" accent6="accent6" hlink="hlink" folHlink="folHlink"/>
+  <p:hf hdr="0" ftr="0" dt="0"/>
+</p:handoutMaster>
+</file>
+
+<file path=ppt/notesMasters/notesMaster1.xml><?xml version="1.0" encoding="utf-8"?>
+<p:notesMaster xmlns:a="http://schemas.openxmlformats.org/drawingml/2006/main" xmlns:r="http://schemas.openxmlformats.org/officeDocument/2006/relationships" xmlns:p="http://schemas.openxmlformats.org/presentationml/2006/main">
+  <p:cSld>
+    <p:bg>
+      <p:bgRef idx="1001">
+        <a:schemeClr val="bg1"/>
+      </p:bgRef>
+    </p:bg>
+    <p:spTree>
+      <p:nvGrpSpPr>
+        <p:cNvPr id="1" name=""/>
+        <p:cNvGrpSpPr/>
+        <p:nvPr/>
+      </p:nvGrpSpPr>
+      <p:grpSpPr>
+        <a:xfrm>
+          <a:off x="0" y="0"/>
+          <a:ext cx="0" cy="0"/>
+          <a:chOff x="0" y="0"/>
+          <a:chExt cx="0" cy="0"/>
+        </a:xfrm>
+      </p:grpSpPr>
+      <p:sp>
+        <p:nvSpPr>
+          <p:cNvPr id="2" name="Header Placeholder 1"/>
+          <p:cNvSpPr>
+            <a:spLocks noGrp="1"/>
+          </p:cNvSpPr>
+          <p:nvPr>
+            <p:ph type="hdr" sz="quarter"/>
+          </p:nvPr>
+        </p:nvSpPr>
+        <p:spPr>
+          <a:xfrm>
+            <a:off x="0" y="0"/>
+            <a:ext cx="2971800" cy="457200"/>
+          </a:xfrm>
+          <a:prstGeom prst="rect">
+            <a:avLst/>
+          </a:prstGeom>
+        </p:spPr>
+        <p:txBody>
+          <a:bodyPr vert="horz" lIns="91440" tIns="45720" rIns="91440" bIns="45720" rtlCol="0"/>
+          <a:lstStyle>
+            <a:lvl1pPr algn="l">
+              <a:defRPr sz="1200"/>
+            </a:lvl1pPr>
+          </a:lstStyle>
+          <a:p>
+            <a:endParaRPr lang="en-US"/>
+          </a:p>
+        </p:txBody>
+      </p:sp>
+      <p:sp>
+        <p:nvSpPr>
+          <p:cNvPr id="3" name="Date Placeholder 2"/>
+          <p:cNvSpPr>
+            <a:spLocks noGrp="1"/>
+          </p:cNvSpPr>
+          <p:nvPr>
+            <p:ph type="dt" idx="1"/>
+          </p:nvPr>
+        </p:nvSpPr>
+        <p:spPr>
+          <a:xfrm>
+            <a:off x="3884613" y="0"/>
+            <a:ext cx="2971800" cy="457200"/>
+          </a:xfrm>
+          <a:prstGeom prst="rect">
+            <a:avLst/>
+          </a:prstGeom>
+        </p:spPr>
+        <p:txBody>
+          <a:bodyPr vert="horz" lIns="91440" tIns="45720" rIns="91440" bIns="45720" rtlCol="0"/>
+          <a:lstStyle>
+            <a:lvl1pPr algn="r">
+              <a:defRPr sz="1200"/>
+            </a:lvl1pPr>
+          </a:lstStyle>
+          <a:p>
+            <a:fld id="{FAD43DC9-2C55-C344-8A96-C6C167460FA1}" type="datetimeFigureOut">
+              <a:rPr lang="en-US" smtClean="0"/>
+              <a:t>9/16/13</a:t>
+            </a:fld>
+            <a:endParaRPr lang="en-US"/>
+          </a:p>
+        </p:txBody>
+      </p:sp>
+      <p:sp>
+        <p:nvSpPr>
+          <p:cNvPr id="4" name="Slide Image Placeholder 3"/>
+          <p:cNvSpPr>
+            <a:spLocks noGrp="1" noRot="1" noChangeAspect="1"/>
+          </p:cNvSpPr>
+          <p:nvPr>
+            <p:ph type="sldImg" idx="2"/>
+          </p:nvPr>
+        </p:nvSpPr>
+        <p:spPr>
+          <a:xfrm>
+            <a:off x="1143000" y="685800"/>
+            <a:ext cx="4572000" cy="3429000"/>
+          </a:xfrm>
+          <a:prstGeom prst="rect">
+            <a:avLst/>
+          </a:prstGeom>
+          <a:noFill/>
+          <a:ln w="12700">
+            <a:solidFill>
+              <a:prstClr val="black"/>
+            </a:solidFill>
+          </a:ln>
+        </p:spPr>
+        <p:txBody>
+          <a:bodyPr vert="horz" lIns="91440" tIns="45720" rIns="91440" bIns="45720" rtlCol="0" anchor="ctr"/>
+          <a:lstStyle/>
+          <a:p>
+            <a:endParaRPr lang="en-US"/>
+          </a:p>
+        </p:txBody>
+      </p:sp>
+      <p:sp>
+        <p:nvSpPr>
+          <p:cNvPr id="5" name="Notes Placeholder 4"/>
+          <p:cNvSpPr>
+            <a:spLocks noGrp="1"/>
+          </p:cNvSpPr>
+          <p:nvPr>
+            <p:ph type="body" sz="quarter" idx="3"/>
+          </p:nvPr>
+        </p:nvSpPr>
+        <p:spPr>
+          <a:xfrm>
+            <a:off x="685800" y="4343400"/>
+            <a:ext cx="5486400" cy="4114800"/>
+          </a:xfrm>
+          <a:prstGeom prst="rect">
+            <a:avLst/>
+          </a:prstGeom>
+        </p:spPr>
+        <p:txBody>
+          <a:bodyPr vert="horz" lIns="91440" tIns="45720" rIns="91440" bIns="45720" rtlCol="0"/>
+          <a:lstStyle/>
+          <a:p>
+            <a:pPr lvl="0"/>
+            <a:r>
+              <a:rPr lang="en-US" smtClean="0"/>
+              <a:t>Click to edit Master text styles</a:t>
+            </a:r>
+          </a:p>
+          <a:p>
+            <a:pPr lvl="1"/>
+            <a:r>
+              <a:rPr lang="en-US" smtClean="0"/>
+              <a:t>Second level</a:t>
+            </a:r>
+          </a:p>
+          <a:p>
+            <a:pPr lvl="2"/>
+            <a:r>
+              <a:rPr lang="en-US" smtClean="0"/>
+              <a:t>Third level</a:t>
+            </a:r>
+          </a:p>
+          <a:p>
+            <a:pPr lvl="3"/>
+            <a:r>
+              <a:rPr lang="en-US" smtClean="0"/>
+              <a:t>Fourth level</a:t>
+            </a:r>
+          </a:p>
+          <a:p>
+            <a:pPr lvl="4"/>
+            <a:r>
+              <a:rPr lang="en-US" smtClean="0"/>
+              <a:t>Fifth level</a:t>
+            </a:r>
+            <a:endParaRPr lang="en-US"/>
+          </a:p>
+        </p:txBody>
+      </p:sp>
+      <p:sp>
+        <p:nvSpPr>
+          <p:cNvPr id="6" name="Footer Placeholder 5"/>
+          <p:cNvSpPr>
+            <a:spLocks noGrp="1"/>
+          </p:cNvSpPr>
+          <p:nvPr>
+            <p:ph type="ftr" sz="quarter" idx="4"/>
+          </p:nvPr>
+        </p:nvSpPr>
+        <p:spPr>
+          <a:xfrm>
+            <a:off x="0" y="8685213"/>
+            <a:ext cx="2971800" cy="457200"/>
+          </a:xfrm>
+          <a:prstGeom prst="rect">
+            <a:avLst/>
+          </a:prstGeom>
+        </p:spPr>
+        <p:txBody>
+          <a:bodyPr vert="horz" lIns="91440" tIns="45720" rIns="91440" bIns="45720" rtlCol="0" anchor="b"/>
+          <a:lstStyle>
+            <a:lvl1pPr algn="l">
+              <a:defRPr sz="1200"/>
+            </a:lvl1pPr>
+          </a:lstStyle>
+          <a:p>
+            <a:endParaRPr lang="en-US"/>
+          </a:p>
+        </p:txBody>
+      </p:sp>
+      <p:sp>
+        <p:nvSpPr>
+          <p:cNvPr id="7" name="Slide Number Placeholder 6"/>
+          <p:cNvSpPr>
+            <a:spLocks noGrp="1"/>
+          </p:cNvSpPr>
+          <p:nvPr>
+            <p:ph type="sldNum" sz="quarter" idx="5"/>
+          </p:nvPr>
+        </p:nvSpPr>
+        <p:spPr>
+          <a:xfrm>
+            <a:off x="3884613" y="8685213"/>
+            <a:ext cx="2971800" cy="457200"/>
+          </a:xfrm>
+          <a:prstGeom prst="rect">
+            <a:avLst/>
+          </a:prstGeom>
+        </p:spPr>
+        <p:txBody>
+          <a:bodyPr vert="horz" lIns="91440" tIns="45720" rIns="91440" bIns="45720" rtlCol="0" anchor="b"/>
+          <a:lstStyle>
+            <a:lvl1pPr algn="r">
+              <a:defRPr sz="1200"/>
+            </a:lvl1pPr>
+          </a:lstStyle>
+          <a:p>
+            <a:fld id="{5DBB0792-1795-694B-8533-337ADB785A95}" type="slidenum">
+              <a:rPr lang="en-US" smtClean="0"/>
+              <a:t>‹#›</a:t>
+            </a:fld>
+            <a:endParaRPr lang="en-US"/>
+          </a:p>
+        </p:txBody>
+      </p:sp>
+    </p:spTree>
+    <p:extLst>
+      <p:ext uri="{BB962C8B-B14F-4D97-AF65-F5344CB8AC3E}">
+        <p14:creationId xmlns:p14="http://schemas.microsoft.com/office/powerpoint/2010/main" val="1484525476"/>
+      </p:ext>
+    </p:extLst>
+  </p:cSld>
+  <p:clrMap bg1="lt1" tx1="dk1" bg2="lt2" tx2="dk2" accent1="accent1" accent2="accent2" accent3="accent3" accent4="accent4" accent5="accent5" accent6="accent6" hlink="hlink" folHlink="folHlink"/>
+  <p:hf hdr="0" ftr="0" dt="0"/>
+  <p:notesStyle>
+    <a:lvl1pPr marL="0" algn="l" defTabSz="457200" rtl="0" eaLnBrk="1" latinLnBrk="0" hangingPunct="1">
+      <a:defRPr sz="1200" kern="1200">
+        <a:solidFill>
+          <a:schemeClr val="tx1"/>
+        </a:solidFill>
+        <a:latin typeface="+mn-lt"/>
+        <a:ea typeface="+mn-ea"/>
+        <a:cs typeface="+mn-cs"/>
+      </a:defRPr>
+    </a:lvl1pPr>
+    <a:lvl2pPr marL="457200" algn="l" defTabSz="457200" rtl="0" eaLnBrk="1" latinLnBrk="0" hangingPunct="1">
+      <a:defRPr sz="1200" kern="1200">
+        <a:solidFill>
+          <a:schemeClr val="tx1"/>
+        </a:solidFill>
+        <a:latin typeface="+mn-lt"/>
+        <a:ea typeface="+mn-ea"/>
+        <a:cs typeface="+mn-cs"/>
+      </a:defRPr>
+    </a:lvl2pPr>
+    <a:lvl3pPr marL="914400" algn="l" defTabSz="457200" rtl="0" eaLnBrk="1" latinLnBrk="0" hangingPunct="1">
+      <a:defRPr sz="1200" kern="1200">
+        <a:solidFill>
+          <a:schemeClr val="tx1"/>
+        </a:solidFill>
+        <a:latin typeface="+mn-lt"/>
+        <a:ea typeface="+mn-ea"/>
+        <a:cs typeface="+mn-cs"/>
+      </a:defRPr>
+    </a:lvl3pPr>
+    <a:lvl4pPr marL="1371600" algn="l" defTabSz="457200" rtl="0" eaLnBrk="1" latinLnBrk="0" hangingPunct="1">
+      <a:defRPr sz="1200" kern="1200">
+        <a:solidFill>
+          <a:schemeClr val="tx1"/>
+        </a:solidFill>
+        <a:latin typeface="+mn-lt"/>
+        <a:ea typeface="+mn-ea"/>
+        <a:cs typeface="+mn-cs"/>
+      </a:defRPr>
+    </a:lvl4pPr>
+    <a:lvl5pPr marL="1828800" algn="l" defTabSz="457200" rtl="0" eaLnBrk="1" latinLnBrk="0" hangingPunct="1">
+      <a:defRPr sz="1200" kern="1200">
+        <a:solidFill>
+          <a:schemeClr val="tx1"/>
+        </a:solidFill>
+        <a:latin typeface="+mn-lt"/>
+        <a:ea typeface="+mn-ea"/>
+        <a:cs typeface="+mn-cs"/>
+      </a:defRPr>
+    </a:lvl5pPr>
+    <a:lvl6pPr marL="2286000" algn="l" defTabSz="457200" rtl="0" eaLnBrk="1" latinLnBrk="0" hangingPunct="1">
+      <a:defRPr sz="1200" kern="1200">
+        <a:solidFill>
+          <a:schemeClr val="tx1"/>
+        </a:solidFill>
+        <a:latin typeface="+mn-lt"/>
+        <a:ea typeface="+mn-ea"/>
+        <a:cs typeface="+mn-cs"/>
+      </a:defRPr>
+    </a:lvl6pPr>
+    <a:lvl7pPr marL="2743200" algn="l" defTabSz="457200" rtl="0" eaLnBrk="1" latinLnBrk="0" hangingPunct="1">
+      <a:defRPr sz="1200" kern="1200">
+        <a:solidFill>
+          <a:schemeClr val="tx1"/>
+        </a:solidFill>
+        <a:latin typeface="+mn-lt"/>
+        <a:ea typeface="+mn-ea"/>
+        <a:cs typeface="+mn-cs"/>
+      </a:defRPr>
+    </a:lvl7pPr>
+    <a:lvl8pPr marL="3200400" algn="l" defTabSz="457200" rtl="0" eaLnBrk="1" latinLnBrk="0" hangingPunct="1">
+      <a:defRPr sz="1200" kern="1200">
+        <a:solidFill>
+          <a:schemeClr val="tx1"/>
+        </a:solidFill>
+        <a:latin typeface="+mn-lt"/>
+        <a:ea typeface="+mn-ea"/>
+        <a:cs typeface="+mn-cs"/>
+      </a:defRPr>
+    </a:lvl8pPr>
+    <a:lvl9pPr marL="3657600" algn="l" defTabSz="457200" rtl="0" eaLnBrk="1" latinLnBrk="0" hangingPunct="1">
+      <a:defRPr sz="1200" kern="1200">
+        <a:solidFill>
+          <a:schemeClr val="tx1"/>
+        </a:solidFill>
+        <a:latin typeface="+mn-lt"/>
+        <a:ea typeface="+mn-ea"/>
+        <a:cs typeface="+mn-cs"/>
+      </a:defRPr>
+    </a:lvl9pPr>
+  </p:notesStyle>
+</p:notesMaster>
+</file>
+
 <file path=ppt/slideLayouts/slideLayout1.xml><?xml version="1.0" encoding="utf-8"?>
 <p:sldLayout xmlns:a="http://schemas.openxmlformats.org/drawingml/2006/main" xmlns:r="http://schemas.openxmlformats.org/officeDocument/2006/relationships" xmlns:p="http://schemas.openxmlformats.org/presentationml/2006/main" type="title" preserve="1">
   <p:cSld name="Title Slide">
@@ -314,9 +837,9 @@
           <a:bodyPr/>
           <a:lstStyle/>
           <a:p>
-            <a:fld id="{F3A8FAC1-82EC-4D57-AC3C-12CC75A7355D}" type="datetimeFigureOut">
-              <a:rPr lang="en-US" smtClean="0"/>
-              <a:t>9/15/2013</a:t>
+            <a:fld id="{A81A36A7-36E7-0646-A127-2918D2CDE0B9}" type="datetime1">
+              <a:rPr lang="en-US" smtClean="0"/>
+              <a:t>9/16/13</a:t>
             </a:fld>
             <a:endParaRPr lang="en-US"/>
           </a:p>
@@ -479,9 +1002,9 @@
           <a:bodyPr/>
           <a:lstStyle/>
           <a:p>
-            <a:fld id="{F3A8FAC1-82EC-4D57-AC3C-12CC75A7355D}" type="datetimeFigureOut">
-              <a:rPr lang="en-US" smtClean="0"/>
-              <a:t>9/15/2013</a:t>
+            <a:fld id="{82605E26-E05F-2C42-A3E8-4D777783327E}" type="datetime1">
+              <a:rPr lang="en-US" smtClean="0"/>
+              <a:t>9/16/13</a:t>
             </a:fld>
             <a:endParaRPr lang="en-US"/>
           </a:p>
@@ -654,9 +1177,9 @@
           <a:bodyPr/>
           <a:lstStyle/>
           <a:p>
-            <a:fld id="{F3A8FAC1-82EC-4D57-AC3C-12CC75A7355D}" type="datetimeFigureOut">
-              <a:rPr lang="en-US" smtClean="0"/>
-              <a:t>9/15/2013</a:t>
+            <a:fld id="{1D104BC7-F9E8-DB4C-81F3-9D611099FDC1}" type="datetime1">
+              <a:rPr lang="en-US" smtClean="0"/>
+              <a:t>9/16/13</a:t>
             </a:fld>
             <a:endParaRPr lang="en-US"/>
           </a:p>
@@ -819,9 +1342,9 @@
           <a:bodyPr/>
           <a:lstStyle/>
           <a:p>
-            <a:fld id="{F3A8FAC1-82EC-4D57-AC3C-12CC75A7355D}" type="datetimeFigureOut">
-              <a:rPr lang="en-US" smtClean="0"/>
-              <a:t>9/15/2013</a:t>
+            <a:fld id="{3CA39466-905A-9442-AC9C-B59CCA223ECD}" type="datetime1">
+              <a:rPr lang="en-US" smtClean="0"/>
+              <a:t>9/16/13</a:t>
             </a:fld>
             <a:endParaRPr lang="en-US"/>
           </a:p>
@@ -1060,9 +1583,9 @@
           <a:bodyPr/>
           <a:lstStyle/>
           <a:p>
-            <a:fld id="{F3A8FAC1-82EC-4D57-AC3C-12CC75A7355D}" type="datetimeFigureOut">
-              <a:rPr lang="en-US" smtClean="0"/>
-              <a:t>9/15/2013</a:t>
+            <a:fld id="{4593E49D-A072-9C40-9FEA-506624AFE44E}" type="datetime1">
+              <a:rPr lang="en-US" smtClean="0"/>
+              <a:t>9/16/13</a:t>
             </a:fld>
             <a:endParaRPr lang="en-US"/>
           </a:p>
@@ -1343,9 +1866,9 @@
           <a:bodyPr/>
           <a:lstStyle/>
           <a:p>
-            <a:fld id="{F3A8FAC1-82EC-4D57-AC3C-12CC75A7355D}" type="datetimeFigureOut">
-              <a:rPr lang="en-US" smtClean="0"/>
-              <a:t>9/15/2013</a:t>
+            <a:fld id="{A5DF426D-DD9D-4245-9C41-5592303977E9}" type="datetime1">
+              <a:rPr lang="en-US" smtClean="0"/>
+              <a:t>9/16/13</a:t>
             </a:fld>
             <a:endParaRPr lang="en-US"/>
           </a:p>
@@ -1772,9 +2295,9 @@
           <a:bodyPr/>
           <a:lstStyle/>
           <a:p>
-            <a:fld id="{F3A8FAC1-82EC-4D57-AC3C-12CC75A7355D}" type="datetimeFigureOut">
-              <a:rPr lang="en-US" smtClean="0"/>
-              <a:t>9/15/2013</a:t>
+            <a:fld id="{99EA5504-74F4-0D43-87A8-72D4D5553C7C}" type="datetime1">
+              <a:rPr lang="en-US" smtClean="0"/>
+              <a:t>9/16/13</a:t>
             </a:fld>
             <a:endParaRPr lang="en-US"/>
           </a:p>
@@ -1885,9 +2408,9 @@
           <a:bodyPr/>
           <a:lstStyle/>
           <a:p>
-            <a:fld id="{F3A8FAC1-82EC-4D57-AC3C-12CC75A7355D}" type="datetimeFigureOut">
-              <a:rPr lang="en-US" smtClean="0"/>
-              <a:t>9/15/2013</a:t>
+            <a:fld id="{0266B2C2-8497-4948-B22D-4774622250E2}" type="datetime1">
+              <a:rPr lang="en-US" smtClean="0"/>
+              <a:t>9/16/13</a:t>
             </a:fld>
             <a:endParaRPr lang="en-US"/>
           </a:p>
@@ -1975,9 +2498,9 @@
           <a:bodyPr/>
           <a:lstStyle/>
           <a:p>
-            <a:fld id="{F3A8FAC1-82EC-4D57-AC3C-12CC75A7355D}" type="datetimeFigureOut">
-              <a:rPr lang="en-US" smtClean="0"/>
-              <a:t>9/15/2013</a:t>
+            <a:fld id="{300877AA-40C4-354E-9F32-8FBB0F97559F}" type="datetime1">
+              <a:rPr lang="en-US" smtClean="0"/>
+              <a:t>9/16/13</a:t>
             </a:fld>
             <a:endParaRPr lang="en-US"/>
           </a:p>
@@ -2164,9 +2687,9 @@
           <a:bodyPr/>
           <a:lstStyle/>
           <a:p>
-            <a:fld id="{F3A8FAC1-82EC-4D57-AC3C-12CC75A7355D}" type="datetimeFigureOut">
-              <a:rPr lang="en-US" smtClean="0"/>
-              <a:t>9/15/2013</a:t>
+            <a:fld id="{9C8930EF-17A6-C94B-A1D5-CA65A8B66ED0}" type="datetime1">
+              <a:rPr lang="en-US" smtClean="0"/>
+              <a:t>9/16/13</a:t>
             </a:fld>
             <a:endParaRPr lang="en-US"/>
           </a:p>
@@ -2482,9 +3005,9 @@
           <a:bodyPr/>
           <a:lstStyle/>
           <a:p>
-            <a:fld id="{F3A8FAC1-82EC-4D57-AC3C-12CC75A7355D}" type="datetimeFigureOut">
-              <a:rPr lang="en-US" smtClean="0"/>
-              <a:t>9/15/2013</a:t>
+            <a:fld id="{17D5EC16-DF76-DD4A-A244-FD601146A7DC}" type="datetime1">
+              <a:rPr lang="en-US" smtClean="0"/>
+              <a:t>9/16/13</a:t>
             </a:fld>
             <a:endParaRPr lang="en-US"/>
           </a:p>
@@ -2861,9 +3384,9 @@
             </a:lvl1pPr>
           </a:lstStyle>
           <a:p>
-            <a:fld id="{F3A8FAC1-82EC-4D57-AC3C-12CC75A7355D}" type="datetimeFigureOut">
-              <a:rPr lang="en-US" smtClean="0"/>
-              <a:t>9/15/2013</a:t>
+            <a:fld id="{C4343423-2601-CD4D-AF7E-7A2A726B4B4C}" type="datetime1">
+              <a:rPr lang="en-US" smtClean="0"/>
+              <a:t>9/16/13</a:t>
             </a:fld>
             <a:endParaRPr lang="en-US"/>
           </a:p>
@@ -2885,6 +3408,7 @@
     <p:sldLayoutId id="2147483718" r:id="rId10"/>
     <p:sldLayoutId id="2147483719" r:id="rId11"/>
   </p:sldLayoutIdLst>
+  <p:hf hdr="0" ftr="0" dt="0"/>
   <p:txStyles>
     <p:titleStyle>
       <a:lvl1pPr algn="l" defTabSz="914400" rtl="0" eaLnBrk="1" latinLnBrk="0" hangingPunct="1">
@@ -3253,6 +3777,29 @@
           </a:p>
         </p:txBody>
       </p:sp>
+      <p:sp>
+        <p:nvSpPr>
+          <p:cNvPr id="4" name="Slide Number Placeholder 3"/>
+          <p:cNvSpPr>
+            <a:spLocks noGrp="1"/>
+          </p:cNvSpPr>
+          <p:nvPr>
+            <p:ph type="sldNum" sz="quarter" idx="12"/>
+          </p:nvPr>
+        </p:nvSpPr>
+        <p:spPr/>
+        <p:txBody>
+          <a:bodyPr/>
+          <a:lstStyle/>
+          <a:p>
+            <a:fld id="{47DBC36D-8629-4A26-B3EA-358F99E6BE49}" type="slidenum">
+              <a:rPr lang="en-US" smtClean="0"/>
+              <a:t>1</a:t>
+            </a:fld>
+            <a:endParaRPr lang="en-US"/>
+          </a:p>
+        </p:txBody>
+      </p:sp>
     </p:spTree>
     <p:extLst>
       <p:ext uri="{BB962C8B-B14F-4D97-AF65-F5344CB8AC3E}">
@@ -3266,7 +3813,7 @@
   <p:timing>
     <p:tnLst>
       <p:par>
-        <p:cTn id="1" dur="indefinite" restart="never" nodeType="tmRoot"/>
+        <p:cTn xmlns:p14="http://schemas.microsoft.com/office/powerpoint/2010/main" id="1" dur="indefinite" restart="never" nodeType="tmRoot"/>
       </p:par>
     </p:tnLst>
   </p:timing>
@@ -3372,6 +3919,29 @@
           </a:p>
         </p:txBody>
       </p:sp>
+      <p:sp>
+        <p:nvSpPr>
+          <p:cNvPr id="4" name="Slide Number Placeholder 3"/>
+          <p:cNvSpPr>
+            <a:spLocks noGrp="1"/>
+          </p:cNvSpPr>
+          <p:nvPr>
+            <p:ph type="sldNum" sz="quarter" idx="12"/>
+          </p:nvPr>
+        </p:nvSpPr>
+        <p:spPr/>
+        <p:txBody>
+          <a:bodyPr/>
+          <a:lstStyle/>
+          <a:p>
+            <a:fld id="{47DBC36D-8629-4A26-B3EA-358F99E6BE49}" type="slidenum">
+              <a:rPr lang="en-US" smtClean="0"/>
+              <a:t>10</a:t>
+            </a:fld>
+            <a:endParaRPr lang="en-US"/>
+          </a:p>
+        </p:txBody>
+      </p:sp>
     </p:spTree>
     <p:extLst>
       <p:ext uri="{BB962C8B-B14F-4D97-AF65-F5344CB8AC3E}">
@@ -3385,7 +3955,7 @@
   <p:timing>
     <p:tnLst>
       <p:par>
-        <p:cTn id="1" dur="indefinite" restart="never" nodeType="tmRoot"/>
+        <p:cTn xmlns:p14="http://schemas.microsoft.com/office/powerpoint/2010/main" id="1" dur="indefinite" restart="never" nodeType="tmRoot"/>
       </p:par>
     </p:tnLst>
   </p:timing>
@@ -3487,6 +4057,29 @@
           </a:p>
         </p:txBody>
       </p:sp>
+      <p:sp>
+        <p:nvSpPr>
+          <p:cNvPr id="4" name="Slide Number Placeholder 3"/>
+          <p:cNvSpPr>
+            <a:spLocks noGrp="1"/>
+          </p:cNvSpPr>
+          <p:nvPr>
+            <p:ph type="sldNum" sz="quarter" idx="12"/>
+          </p:nvPr>
+        </p:nvSpPr>
+        <p:spPr/>
+        <p:txBody>
+          <a:bodyPr/>
+          <a:lstStyle/>
+          <a:p>
+            <a:fld id="{47DBC36D-8629-4A26-B3EA-358F99E6BE49}" type="slidenum">
+              <a:rPr lang="en-US" smtClean="0"/>
+              <a:t>11</a:t>
+            </a:fld>
+            <a:endParaRPr lang="en-US"/>
+          </a:p>
+        </p:txBody>
+      </p:sp>
     </p:spTree>
     <p:extLst>
       <p:ext uri="{BB962C8B-B14F-4D97-AF65-F5344CB8AC3E}">
@@ -3500,7 +4093,7 @@
   <p:timing>
     <p:tnLst>
       <p:par>
-        <p:cTn id="1" dur="indefinite" restart="never" nodeType="tmRoot"/>
+        <p:cTn xmlns:p14="http://schemas.microsoft.com/office/powerpoint/2010/main" id="1" dur="indefinite" restart="never" nodeType="tmRoot"/>
       </p:par>
     </p:tnLst>
   </p:timing>
@@ -3566,7 +4159,6 @@
               <a:rPr lang="en-US" dirty="0" smtClean="0"/>
               <a:t>Increments Build on the Work of the Previous Increment</a:t>
             </a:r>
-            <a:endParaRPr lang="en-US" dirty="0" smtClean="0"/>
           </a:p>
           <a:p>
             <a:endParaRPr lang="en-US" dirty="0" smtClean="0"/>
@@ -3588,6 +4180,29 @@
               <a:buNone/>
             </a:pPr>
             <a:endParaRPr lang="en-US" dirty="0"/>
+          </a:p>
+        </p:txBody>
+      </p:sp>
+      <p:sp>
+        <p:nvSpPr>
+          <p:cNvPr id="4" name="Slide Number Placeholder 3"/>
+          <p:cNvSpPr>
+            <a:spLocks noGrp="1"/>
+          </p:cNvSpPr>
+          <p:nvPr>
+            <p:ph type="sldNum" sz="quarter" idx="12"/>
+          </p:nvPr>
+        </p:nvSpPr>
+        <p:spPr/>
+        <p:txBody>
+          <a:bodyPr/>
+          <a:lstStyle/>
+          <a:p>
+            <a:fld id="{47DBC36D-8629-4A26-B3EA-358F99E6BE49}" type="slidenum">
+              <a:rPr lang="en-US" smtClean="0"/>
+              <a:t>12</a:t>
+            </a:fld>
+            <a:endParaRPr lang="en-US"/>
           </a:p>
         </p:txBody>
       </p:sp>
@@ -3604,7 +4219,7 @@
   <p:timing>
     <p:tnLst>
       <p:par>
-        <p:cTn id="1" dur="indefinite" restart="never" nodeType="tmRoot"/>
+        <p:cTn xmlns:p14="http://schemas.microsoft.com/office/powerpoint/2010/main" id="1" dur="indefinite" restart="never" nodeType="tmRoot"/>
       </p:par>
     </p:tnLst>
   </p:timing>
@@ -3682,7 +4297,6 @@
               <a:rPr lang="en-US" dirty="0" smtClean="0"/>
               <a:t>“Done” When Team Agrees</a:t>
             </a:r>
-            <a:endParaRPr lang="en-US" dirty="0" smtClean="0"/>
           </a:p>
           <a:p>
             <a:endParaRPr lang="en-US" dirty="0" smtClean="0"/>
@@ -3704,6 +4318,29 @@
               <a:buNone/>
             </a:pPr>
             <a:endParaRPr lang="en-US" dirty="0"/>
+          </a:p>
+        </p:txBody>
+      </p:sp>
+      <p:sp>
+        <p:nvSpPr>
+          <p:cNvPr id="4" name="Slide Number Placeholder 3"/>
+          <p:cNvSpPr>
+            <a:spLocks noGrp="1"/>
+          </p:cNvSpPr>
+          <p:nvPr>
+            <p:ph type="sldNum" sz="quarter" idx="12"/>
+          </p:nvPr>
+        </p:nvSpPr>
+        <p:spPr/>
+        <p:txBody>
+          <a:bodyPr/>
+          <a:lstStyle/>
+          <a:p>
+            <a:fld id="{47DBC36D-8629-4A26-B3EA-358F99E6BE49}" type="slidenum">
+              <a:rPr lang="en-US" smtClean="0"/>
+              <a:t>13</a:t>
+            </a:fld>
+            <a:endParaRPr lang="en-US"/>
           </a:p>
         </p:txBody>
       </p:sp>
@@ -3720,7 +4357,7 @@
   <p:timing>
     <p:tnLst>
       <p:par>
-        <p:cTn id="1" dur="indefinite" restart="never" nodeType="tmRoot"/>
+        <p:cTn xmlns:p14="http://schemas.microsoft.com/office/powerpoint/2010/main" id="1" dur="indefinite" restart="never" nodeType="tmRoot"/>
       </p:par>
     </p:tnLst>
   </p:timing>
@@ -3845,6 +4482,29 @@
           </a:p>
         </p:txBody>
       </p:sp>
+      <p:sp>
+        <p:nvSpPr>
+          <p:cNvPr id="4" name="Slide Number Placeholder 3"/>
+          <p:cNvSpPr>
+            <a:spLocks noGrp="1"/>
+          </p:cNvSpPr>
+          <p:nvPr>
+            <p:ph type="sldNum" sz="quarter" idx="12"/>
+          </p:nvPr>
+        </p:nvSpPr>
+        <p:spPr/>
+        <p:txBody>
+          <a:bodyPr/>
+          <a:lstStyle/>
+          <a:p>
+            <a:fld id="{47DBC36D-8629-4A26-B3EA-358F99E6BE49}" type="slidenum">
+              <a:rPr lang="en-US" smtClean="0"/>
+              <a:t>14</a:t>
+            </a:fld>
+            <a:endParaRPr lang="en-US"/>
+          </a:p>
+        </p:txBody>
+      </p:sp>
     </p:spTree>
     <p:extLst>
       <p:ext uri="{BB962C8B-B14F-4D97-AF65-F5344CB8AC3E}">
@@ -3858,7 +4518,7 @@
   <p:timing>
     <p:tnLst>
       <p:par>
-        <p:cTn id="1" dur="indefinite" restart="never" nodeType="tmRoot"/>
+        <p:cTn xmlns:p14="http://schemas.microsoft.com/office/powerpoint/2010/main" id="1" dur="indefinite" restart="never" nodeType="tmRoot"/>
       </p:par>
     </p:tnLst>
   </p:timing>
@@ -3978,6 +4638,29 @@
           </a:p>
         </p:txBody>
       </p:sp>
+      <p:sp>
+        <p:nvSpPr>
+          <p:cNvPr id="4" name="Slide Number Placeholder 3"/>
+          <p:cNvSpPr>
+            <a:spLocks noGrp="1"/>
+          </p:cNvSpPr>
+          <p:nvPr>
+            <p:ph type="sldNum" sz="quarter" idx="12"/>
+          </p:nvPr>
+        </p:nvSpPr>
+        <p:spPr/>
+        <p:txBody>
+          <a:bodyPr/>
+          <a:lstStyle/>
+          <a:p>
+            <a:fld id="{47DBC36D-8629-4A26-B3EA-358F99E6BE49}" type="slidenum">
+              <a:rPr lang="en-US" smtClean="0"/>
+              <a:t>15</a:t>
+            </a:fld>
+            <a:endParaRPr lang="en-US"/>
+          </a:p>
+        </p:txBody>
+      </p:sp>
     </p:spTree>
     <p:extLst>
       <p:ext uri="{BB962C8B-B14F-4D97-AF65-F5344CB8AC3E}">
@@ -3991,7 +4674,7 @@
   <p:timing>
     <p:tnLst>
       <p:par>
-        <p:cTn id="1" dur="indefinite" restart="never" nodeType="tmRoot"/>
+        <p:cTn xmlns:p14="http://schemas.microsoft.com/office/powerpoint/2010/main" id="1" dur="indefinite" restart="never" nodeType="tmRoot"/>
       </p:par>
     </p:tnLst>
   </p:timing>
@@ -4082,6 +4765,29 @@
               <a:t>Build Visualization</a:t>
             </a:r>
             <a:endParaRPr lang="en-US" dirty="0"/>
+          </a:p>
+        </p:txBody>
+      </p:sp>
+      <p:sp>
+        <p:nvSpPr>
+          <p:cNvPr id="4" name="Slide Number Placeholder 3"/>
+          <p:cNvSpPr>
+            <a:spLocks noGrp="1"/>
+          </p:cNvSpPr>
+          <p:nvPr>
+            <p:ph type="sldNum" sz="quarter" idx="12"/>
+          </p:nvPr>
+        </p:nvSpPr>
+        <p:spPr/>
+        <p:txBody>
+          <a:bodyPr/>
+          <a:lstStyle/>
+          <a:p>
+            <a:fld id="{47DBC36D-8629-4A26-B3EA-358F99E6BE49}" type="slidenum">
+              <a:rPr lang="en-US" smtClean="0"/>
+              <a:t>16</a:t>
+            </a:fld>
+            <a:endParaRPr lang="en-US"/>
           </a:p>
         </p:txBody>
       </p:sp>
@@ -4169,6 +4875,29 @@
           </a:p>
         </p:txBody>
       </p:sp>
+      <p:sp>
+        <p:nvSpPr>
+          <p:cNvPr id="4" name="Slide Number Placeholder 3"/>
+          <p:cNvSpPr>
+            <a:spLocks noGrp="1"/>
+          </p:cNvSpPr>
+          <p:nvPr>
+            <p:ph type="sldNum" sz="quarter" idx="12"/>
+          </p:nvPr>
+        </p:nvSpPr>
+        <p:spPr/>
+        <p:txBody>
+          <a:bodyPr/>
+          <a:lstStyle/>
+          <a:p>
+            <a:fld id="{47DBC36D-8629-4A26-B3EA-358F99E6BE49}" type="slidenum">
+              <a:rPr lang="en-US" smtClean="0"/>
+              <a:t>2</a:t>
+            </a:fld>
+            <a:endParaRPr lang="en-US"/>
+          </a:p>
+        </p:txBody>
+      </p:sp>
     </p:spTree>
     <p:extLst>
       <p:ext uri="{BB962C8B-B14F-4D97-AF65-F5344CB8AC3E}">
@@ -4182,7 +4911,7 @@
   <p:timing>
     <p:tnLst>
       <p:par>
-        <p:cTn id="1" dur="indefinite" restart="never" nodeType="tmRoot"/>
+        <p:cTn xmlns:p14="http://schemas.microsoft.com/office/powerpoint/2010/main" id="1" dur="indefinite" restart="never" nodeType="tmRoot"/>
       </p:par>
     </p:tnLst>
   </p:timing>
@@ -4263,14 +4992,14 @@
             <a:noFill/>
           </a:ln>
           <a:extLst>
-            <a:ext uri="{909E8E84-426E-40DD-AFC4-6F175D3DCCD1}">
+            <a:ext uri="{909E8E84-426E-40dd-AFC4-6F175D3DCCD1}">
               <a14:hiddenFill xmlns:a14="http://schemas.microsoft.com/office/drawing/2010/main">
                 <a:solidFill>
                   <a:schemeClr val="accent1"/>
                 </a:solidFill>
               </a14:hiddenFill>
             </a:ext>
-            <a:ext uri="{91240B29-F687-4F45-9708-019B960494DF}">
+            <a:ext uri="{91240B29-F687-4f45-9708-019B960494DF}">
               <a14:hiddenLine xmlns:a14="http://schemas.microsoft.com/office/drawing/2010/main" w="9525">
                 <a:solidFill>
                   <a:schemeClr val="tx1"/>
@@ -4283,6 +5012,29 @@
           </a:extLst>
         </p:spPr>
       </p:pic>
+      <p:sp>
+        <p:nvSpPr>
+          <p:cNvPr id="3" name="Slide Number Placeholder 2"/>
+          <p:cNvSpPr>
+            <a:spLocks noGrp="1"/>
+          </p:cNvSpPr>
+          <p:nvPr>
+            <p:ph type="sldNum" sz="quarter" idx="12"/>
+          </p:nvPr>
+        </p:nvSpPr>
+        <p:spPr/>
+        <p:txBody>
+          <a:bodyPr/>
+          <a:lstStyle/>
+          <a:p>
+            <a:fld id="{47DBC36D-8629-4A26-B3EA-358F99E6BE49}" type="slidenum">
+              <a:rPr lang="en-US" smtClean="0"/>
+              <a:t>3</a:t>
+            </a:fld>
+            <a:endParaRPr lang="en-US"/>
+          </a:p>
+        </p:txBody>
+      </p:sp>
     </p:spTree>
     <p:extLst>
       <p:ext uri="{BB962C8B-B14F-4D97-AF65-F5344CB8AC3E}">
@@ -4296,7 +5048,7 @@
   <p:timing>
     <p:tnLst>
       <p:par>
-        <p:cTn id="1" dur="indefinite" restart="never" nodeType="tmRoot"/>
+        <p:cTn xmlns:p14="http://schemas.microsoft.com/office/powerpoint/2010/main" id="1" dur="indefinite" restart="never" nodeType="tmRoot"/>
       </p:par>
     </p:tnLst>
   </p:timing>
@@ -4398,6 +5150,29 @@
           </a:p>
         </p:txBody>
       </p:sp>
+      <p:sp>
+        <p:nvSpPr>
+          <p:cNvPr id="4" name="Slide Number Placeholder 3"/>
+          <p:cNvSpPr>
+            <a:spLocks noGrp="1"/>
+          </p:cNvSpPr>
+          <p:nvPr>
+            <p:ph type="sldNum" sz="quarter" idx="12"/>
+          </p:nvPr>
+        </p:nvSpPr>
+        <p:spPr/>
+        <p:txBody>
+          <a:bodyPr/>
+          <a:lstStyle/>
+          <a:p>
+            <a:fld id="{47DBC36D-8629-4A26-B3EA-358F99E6BE49}" type="slidenum">
+              <a:rPr lang="en-US" smtClean="0"/>
+              <a:t>4</a:t>
+            </a:fld>
+            <a:endParaRPr lang="en-US"/>
+          </a:p>
+        </p:txBody>
+      </p:sp>
     </p:spTree>
     <p:extLst>
       <p:ext uri="{BB962C8B-B14F-4D97-AF65-F5344CB8AC3E}">
@@ -4411,7 +5186,7 @@
   <p:timing>
     <p:tnLst>
       <p:par>
-        <p:cTn id="1" dur="indefinite" restart="never" nodeType="tmRoot"/>
+        <p:cTn xmlns:p14="http://schemas.microsoft.com/office/powerpoint/2010/main" id="1" dur="indefinite" restart="never" nodeType="tmRoot"/>
       </p:par>
     </p:tnLst>
   </p:timing>
@@ -4553,6 +5328,29 @@
           </a:p>
         </p:txBody>
       </p:sp>
+      <p:sp>
+        <p:nvSpPr>
+          <p:cNvPr id="4" name="Slide Number Placeholder 3"/>
+          <p:cNvSpPr>
+            <a:spLocks noGrp="1"/>
+          </p:cNvSpPr>
+          <p:nvPr>
+            <p:ph type="sldNum" sz="quarter" idx="12"/>
+          </p:nvPr>
+        </p:nvSpPr>
+        <p:spPr/>
+        <p:txBody>
+          <a:bodyPr/>
+          <a:lstStyle/>
+          <a:p>
+            <a:fld id="{47DBC36D-8629-4A26-B3EA-358F99E6BE49}" type="slidenum">
+              <a:rPr lang="en-US" smtClean="0"/>
+              <a:t>5</a:t>
+            </a:fld>
+            <a:endParaRPr lang="en-US"/>
+          </a:p>
+        </p:txBody>
+      </p:sp>
     </p:spTree>
     <p:extLst>
       <p:ext uri="{BB962C8B-B14F-4D97-AF65-F5344CB8AC3E}">
@@ -4566,7 +5364,7 @@
   <p:timing>
     <p:tnLst>
       <p:par>
-        <p:cTn id="1" dur="indefinite" restart="never" nodeType="tmRoot"/>
+        <p:cTn xmlns:p14="http://schemas.microsoft.com/office/powerpoint/2010/main" id="1" dur="indefinite" restart="never" nodeType="tmRoot"/>
       </p:par>
     </p:tnLst>
   </p:timing>
@@ -4661,6 +5459,29 @@
               <a:t>Simple Reports Preconfigured</a:t>
             </a:r>
             <a:endParaRPr lang="en-US" dirty="0"/>
+          </a:p>
+        </p:txBody>
+      </p:sp>
+      <p:sp>
+        <p:nvSpPr>
+          <p:cNvPr id="4" name="Slide Number Placeholder 3"/>
+          <p:cNvSpPr>
+            <a:spLocks noGrp="1"/>
+          </p:cNvSpPr>
+          <p:nvPr>
+            <p:ph type="sldNum" sz="quarter" idx="12"/>
+          </p:nvPr>
+        </p:nvSpPr>
+        <p:spPr/>
+        <p:txBody>
+          <a:bodyPr/>
+          <a:lstStyle/>
+          <a:p>
+            <a:fld id="{47DBC36D-8629-4A26-B3EA-358F99E6BE49}" type="slidenum">
+              <a:rPr lang="en-US" smtClean="0"/>
+              <a:t>6</a:t>
+            </a:fld>
+            <a:endParaRPr lang="en-US"/>
           </a:p>
         </p:txBody>
       </p:sp>
@@ -4764,6 +5585,29 @@
           </a:p>
         </p:txBody>
       </p:sp>
+      <p:sp>
+        <p:nvSpPr>
+          <p:cNvPr id="4" name="Slide Number Placeholder 3"/>
+          <p:cNvSpPr>
+            <a:spLocks noGrp="1"/>
+          </p:cNvSpPr>
+          <p:nvPr>
+            <p:ph type="sldNum" sz="quarter" idx="12"/>
+          </p:nvPr>
+        </p:nvSpPr>
+        <p:spPr/>
+        <p:txBody>
+          <a:bodyPr/>
+          <a:lstStyle/>
+          <a:p>
+            <a:fld id="{47DBC36D-8629-4A26-B3EA-358F99E6BE49}" type="slidenum">
+              <a:rPr lang="en-US" smtClean="0"/>
+              <a:t>7</a:t>
+            </a:fld>
+            <a:endParaRPr lang="en-US"/>
+          </a:p>
+        </p:txBody>
+      </p:sp>
     </p:spTree>
     <p:extLst>
       <p:ext uri="{BB962C8B-B14F-4D97-AF65-F5344CB8AC3E}">
@@ -4777,7 +5621,7 @@
   <p:timing>
     <p:tnLst>
       <p:par>
-        <p:cTn id="1" dur="indefinite" restart="never" nodeType="tmRoot"/>
+        <p:cTn xmlns:p14="http://schemas.microsoft.com/office/powerpoint/2010/main" id="1" dur="indefinite" restart="never" nodeType="tmRoot"/>
       </p:par>
     </p:tnLst>
   </p:timing>
@@ -4852,6 +5696,29 @@
           </a:p>
         </p:txBody>
       </p:sp>
+      <p:sp>
+        <p:nvSpPr>
+          <p:cNvPr id="4" name="Slide Number Placeholder 3"/>
+          <p:cNvSpPr>
+            <a:spLocks noGrp="1"/>
+          </p:cNvSpPr>
+          <p:nvPr>
+            <p:ph type="sldNum" sz="quarter" idx="12"/>
+          </p:nvPr>
+        </p:nvSpPr>
+        <p:spPr/>
+        <p:txBody>
+          <a:bodyPr/>
+          <a:lstStyle/>
+          <a:p>
+            <a:fld id="{47DBC36D-8629-4A26-B3EA-358F99E6BE49}" type="slidenum">
+              <a:rPr lang="en-US" smtClean="0"/>
+              <a:t>8</a:t>
+            </a:fld>
+            <a:endParaRPr lang="en-US"/>
+          </a:p>
+        </p:txBody>
+      </p:sp>
     </p:spTree>
     <p:extLst>
       <p:ext uri="{BB962C8B-B14F-4D97-AF65-F5344CB8AC3E}">
@@ -4865,7 +5732,7 @@
   <p:timing>
     <p:tnLst>
       <p:par>
-        <p:cTn id="1" dur="indefinite" restart="never" nodeType="tmRoot"/>
+        <p:cTn xmlns:p14="http://schemas.microsoft.com/office/powerpoint/2010/main" id="1" dur="indefinite" restart="never" nodeType="tmRoot"/>
       </p:par>
     </p:tnLst>
   </p:timing>
@@ -4973,6 +5840,29 @@
           </a:p>
         </p:txBody>
       </p:sp>
+      <p:sp>
+        <p:nvSpPr>
+          <p:cNvPr id="4" name="Slide Number Placeholder 3"/>
+          <p:cNvSpPr>
+            <a:spLocks noGrp="1"/>
+          </p:cNvSpPr>
+          <p:nvPr>
+            <p:ph type="sldNum" sz="quarter" idx="12"/>
+          </p:nvPr>
+        </p:nvSpPr>
+        <p:spPr/>
+        <p:txBody>
+          <a:bodyPr/>
+          <a:lstStyle/>
+          <a:p>
+            <a:fld id="{47DBC36D-8629-4A26-B3EA-358F99E6BE49}" type="slidenum">
+              <a:rPr lang="en-US" smtClean="0"/>
+              <a:t>9</a:t>
+            </a:fld>
+            <a:endParaRPr lang="en-US"/>
+          </a:p>
+        </p:txBody>
+      </p:sp>
     </p:spTree>
     <p:extLst>
       <p:ext uri="{BB962C8B-B14F-4D97-AF65-F5344CB8AC3E}">
@@ -4986,7 +5876,7 @@
   <p:timing>
     <p:tnLst>
       <p:par>
-        <p:cTn id="1" dur="indefinite" restart="never" nodeType="tmRoot"/>
+        <p:cTn xmlns:p14="http://schemas.microsoft.com/office/powerpoint/2010/main" id="1" dur="indefinite" restart="never" nodeType="tmRoot"/>
       </p:par>
     </p:tnLst>
   </p:timing>
@@ -5224,4 +6114,644 @@
   <a:objectDefaults/>
   <a:extraClrSchemeLst/>
 </a:theme>
+</file>
+
+<file path=ppt/theme/theme2.xml><?xml version="1.0" encoding="utf-8"?>
+<a:theme xmlns:a="http://schemas.openxmlformats.org/drawingml/2006/main" name="Office Theme">
+  <a:themeElements>
+    <a:clrScheme name="Office">
+      <a:dk1>
+        <a:sysClr val="windowText" lastClr="000000"/>
+      </a:dk1>
+      <a:lt1>
+        <a:sysClr val="window" lastClr="FFFFFF"/>
+      </a:lt1>
+      <a:dk2>
+        <a:srgbClr val="1F497D"/>
+      </a:dk2>
+      <a:lt2>
+        <a:srgbClr val="EEECE1"/>
+      </a:lt2>
+      <a:accent1>
+        <a:srgbClr val="4F81BD"/>
+      </a:accent1>
+      <a:accent2>
+        <a:srgbClr val="C0504D"/>
+      </a:accent2>
+      <a:accent3>
+        <a:srgbClr val="9BBB59"/>
+      </a:accent3>
+      <a:accent4>
+        <a:srgbClr val="8064A2"/>
+      </a:accent4>
+      <a:accent5>
+        <a:srgbClr val="4BACC6"/>
+      </a:accent5>
+      <a:accent6>
+        <a:srgbClr val="F79646"/>
+      </a:accent6>
+      <a:hlink>
+        <a:srgbClr val="0000FF"/>
+      </a:hlink>
+      <a:folHlink>
+        <a:srgbClr val="800080"/>
+      </a:folHlink>
+    </a:clrScheme>
+    <a:fontScheme name="Office">
+      <a:majorFont>
+        <a:latin typeface="Calibri"/>
+        <a:ea typeface=""/>
+        <a:cs typeface=""/>
+        <a:font script="Jpan" typeface="ＭＳ Ｐゴシック"/>
+        <a:font script="Hang" typeface="맑은 고딕"/>
+        <a:font script="Hans" typeface="宋体"/>
+        <a:font script="Hant" typeface="新細明體"/>
+        <a:font script="Arab" typeface="Times New Roman"/>
+        <a:font script="Hebr" typeface="Times New Roman"/>
+        <a:font script="Thai" typeface="Angsana New"/>
+        <a:font script="Ethi" typeface="Nyala"/>
+        <a:font script="Beng" typeface="Vrinda"/>
+        <a:font script="Gujr" typeface="Shruti"/>
+        <a:font script="Khmr" typeface="MoolBoran"/>
+        <a:font script="Knda" typeface="Tunga"/>
+        <a:font script="Guru" typeface="Raavi"/>
+        <a:font script="Cans" typeface="Euphemia"/>
+        <a:font script="Cher" typeface="Plantagenet Cherokee"/>
+        <a:font script="Yiii" typeface="Microsoft Yi Baiti"/>
+        <a:font script="Tibt" typeface="Microsoft Himalaya"/>
+        <a:font script="Thaa" typeface="MV Boli"/>
+        <a:font script="Deva" typeface="Mangal"/>
+        <a:font script="Telu" typeface="Gautami"/>
+        <a:font script="Taml" typeface="Latha"/>
+        <a:font script="Syrc" typeface="Estrangelo Edessa"/>
+        <a:font script="Orya" typeface="Kalinga"/>
+        <a:font script="Mlym" typeface="Kartika"/>
+        <a:font script="Laoo" typeface="DokChampa"/>
+        <a:font script="Sinh" typeface="Iskoola Pota"/>
+        <a:font script="Mong" typeface="Mongolian Baiti"/>
+        <a:font script="Viet" typeface="Times New Roman"/>
+        <a:font script="Uigh" typeface="Microsoft Uighur"/>
+        <a:font script="Geor" typeface="Sylfaen"/>
+      </a:majorFont>
+      <a:minorFont>
+        <a:latin typeface="Calibri"/>
+        <a:ea typeface=""/>
+        <a:cs typeface=""/>
+        <a:font script="Jpan" typeface="ＭＳ Ｐゴシック"/>
+        <a:font script="Hang" typeface="맑은 고딕"/>
+        <a:font script="Hans" typeface="宋体"/>
+        <a:font script="Hant" typeface="新細明體"/>
+        <a:font script="Arab" typeface="Arial"/>
+        <a:font script="Hebr" typeface="Arial"/>
+        <a:font script="Thai" typeface="Cordia New"/>
+        <a:font script="Ethi" typeface="Nyala"/>
+        <a:font script="Beng" typeface="Vrinda"/>
+        <a:font script="Gujr" typeface="Shruti"/>
+        <a:font script="Khmr" typeface="DaunPenh"/>
+        <a:font script="Knda" typeface="Tunga"/>
+        <a:font script="Guru" typeface="Raavi"/>
+        <a:font script="Cans" typeface="Euphemia"/>
+        <a:font script="Cher" typeface="Plantagenet Cherokee"/>
+        <a:font script="Yiii" typeface="Microsoft Yi Baiti"/>
+        <a:font script="Tibt" typeface="Microsoft Himalaya"/>
+        <a:font script="Thaa" typeface="MV Boli"/>
+        <a:font script="Deva" typeface="Mangal"/>
+        <a:font script="Telu" typeface="Gautami"/>
+        <a:font script="Taml" typeface="Latha"/>
+        <a:font script="Syrc" typeface="Estrangelo Edessa"/>
+        <a:font script="Orya" typeface="Kalinga"/>
+        <a:font script="Mlym" typeface="Kartika"/>
+        <a:font script="Laoo" typeface="DokChampa"/>
+        <a:font script="Sinh" typeface="Iskoola Pota"/>
+        <a:font script="Mong" typeface="Mongolian Baiti"/>
+        <a:font script="Viet" typeface="Arial"/>
+        <a:font script="Uigh" typeface="Microsoft Uighur"/>
+        <a:font script="Geor" typeface="Sylfaen"/>
+      </a:minorFont>
+    </a:fontScheme>
+    <a:fmtScheme name="Office">
+      <a:fillStyleLst>
+        <a:solidFill>
+          <a:schemeClr val="phClr"/>
+        </a:solidFill>
+        <a:gradFill rotWithShape="1">
+          <a:gsLst>
+            <a:gs pos="0">
+              <a:schemeClr val="phClr">
+                <a:tint val="50000"/>
+                <a:satMod val="300000"/>
+              </a:schemeClr>
+            </a:gs>
+            <a:gs pos="35000">
+              <a:schemeClr val="phClr">
+                <a:tint val="37000"/>
+                <a:satMod val="300000"/>
+              </a:schemeClr>
+            </a:gs>
+            <a:gs pos="100000">
+              <a:schemeClr val="phClr">
+                <a:tint val="15000"/>
+                <a:satMod val="350000"/>
+              </a:schemeClr>
+            </a:gs>
+          </a:gsLst>
+          <a:lin ang="16200000" scaled="1"/>
+        </a:gradFill>
+        <a:gradFill rotWithShape="1">
+          <a:gsLst>
+            <a:gs pos="0">
+              <a:schemeClr val="phClr">
+                <a:tint val="100000"/>
+                <a:shade val="100000"/>
+                <a:satMod val="130000"/>
+              </a:schemeClr>
+            </a:gs>
+            <a:gs pos="100000">
+              <a:schemeClr val="phClr">
+                <a:tint val="50000"/>
+                <a:shade val="100000"/>
+                <a:satMod val="350000"/>
+              </a:schemeClr>
+            </a:gs>
+          </a:gsLst>
+          <a:lin ang="16200000" scaled="0"/>
+        </a:gradFill>
+      </a:fillStyleLst>
+      <a:lnStyleLst>
+        <a:ln w="9525" cap="flat" cmpd="sng" algn="ctr">
+          <a:solidFill>
+            <a:schemeClr val="phClr">
+              <a:shade val="95000"/>
+              <a:satMod val="105000"/>
+            </a:schemeClr>
+          </a:solidFill>
+          <a:prstDash val="solid"/>
+        </a:ln>
+        <a:ln w="25400" cap="flat" cmpd="sng" algn="ctr">
+          <a:solidFill>
+            <a:schemeClr val="phClr"/>
+          </a:solidFill>
+          <a:prstDash val="solid"/>
+        </a:ln>
+        <a:ln w="38100" cap="flat" cmpd="sng" algn="ctr">
+          <a:solidFill>
+            <a:schemeClr val="phClr"/>
+          </a:solidFill>
+          <a:prstDash val="solid"/>
+        </a:ln>
+      </a:lnStyleLst>
+      <a:effectStyleLst>
+        <a:effectStyle>
+          <a:effectLst>
+            <a:outerShdw blurRad="40000" dist="20000" dir="5400000" rotWithShape="0">
+              <a:srgbClr val="000000">
+                <a:alpha val="38000"/>
+              </a:srgbClr>
+            </a:outerShdw>
+          </a:effectLst>
+        </a:effectStyle>
+        <a:effectStyle>
+          <a:effectLst>
+            <a:outerShdw blurRad="40000" dist="23000" dir="5400000" rotWithShape="0">
+              <a:srgbClr val="000000">
+                <a:alpha val="35000"/>
+              </a:srgbClr>
+            </a:outerShdw>
+          </a:effectLst>
+        </a:effectStyle>
+        <a:effectStyle>
+          <a:effectLst>
+            <a:outerShdw blurRad="40000" dist="23000" dir="5400000" rotWithShape="0">
+              <a:srgbClr val="000000">
+                <a:alpha val="35000"/>
+              </a:srgbClr>
+            </a:outerShdw>
+          </a:effectLst>
+          <a:scene3d>
+            <a:camera prst="orthographicFront">
+              <a:rot lat="0" lon="0" rev="0"/>
+            </a:camera>
+            <a:lightRig rig="threePt" dir="t">
+              <a:rot lat="0" lon="0" rev="1200000"/>
+            </a:lightRig>
+          </a:scene3d>
+          <a:sp3d>
+            <a:bevelT w="63500" h="25400"/>
+          </a:sp3d>
+        </a:effectStyle>
+      </a:effectStyleLst>
+      <a:bgFillStyleLst>
+        <a:solidFill>
+          <a:schemeClr val="phClr"/>
+        </a:solidFill>
+        <a:gradFill rotWithShape="1">
+          <a:gsLst>
+            <a:gs pos="0">
+              <a:schemeClr val="phClr">
+                <a:tint val="40000"/>
+                <a:satMod val="350000"/>
+              </a:schemeClr>
+            </a:gs>
+            <a:gs pos="40000">
+              <a:schemeClr val="phClr">
+                <a:tint val="45000"/>
+                <a:shade val="99000"/>
+                <a:satMod val="350000"/>
+              </a:schemeClr>
+            </a:gs>
+            <a:gs pos="100000">
+              <a:schemeClr val="phClr">
+                <a:shade val="20000"/>
+                <a:satMod val="255000"/>
+              </a:schemeClr>
+            </a:gs>
+          </a:gsLst>
+          <a:path path="circle">
+            <a:fillToRect l="50000" t="-80000" r="50000" b="180000"/>
+          </a:path>
+        </a:gradFill>
+        <a:gradFill rotWithShape="1">
+          <a:gsLst>
+            <a:gs pos="0">
+              <a:schemeClr val="phClr">
+                <a:tint val="80000"/>
+                <a:satMod val="300000"/>
+              </a:schemeClr>
+            </a:gs>
+            <a:gs pos="100000">
+              <a:schemeClr val="phClr">
+                <a:shade val="30000"/>
+                <a:satMod val="200000"/>
+              </a:schemeClr>
+            </a:gs>
+          </a:gsLst>
+          <a:path path="circle">
+            <a:fillToRect l="50000" t="50000" r="50000" b="50000"/>
+          </a:path>
+        </a:gradFill>
+      </a:bgFillStyleLst>
+    </a:fmtScheme>
+  </a:themeElements>
+  <a:objectDefaults>
+    <a:spDef>
+      <a:spPr/>
+      <a:bodyPr/>
+      <a:lstStyle/>
+      <a:style>
+        <a:lnRef idx="1">
+          <a:schemeClr val="accent1"/>
+        </a:lnRef>
+        <a:fillRef idx="3">
+          <a:schemeClr val="accent1"/>
+        </a:fillRef>
+        <a:effectRef idx="2">
+          <a:schemeClr val="accent1"/>
+        </a:effectRef>
+        <a:fontRef idx="minor">
+          <a:schemeClr val="lt1"/>
+        </a:fontRef>
+      </a:style>
+    </a:spDef>
+    <a:lnDef>
+      <a:spPr/>
+      <a:bodyPr/>
+      <a:lstStyle/>
+      <a:style>
+        <a:lnRef idx="2">
+          <a:schemeClr val="accent1"/>
+        </a:lnRef>
+        <a:fillRef idx="0">
+          <a:schemeClr val="accent1"/>
+        </a:fillRef>
+        <a:effectRef idx="1">
+          <a:schemeClr val="accent1"/>
+        </a:effectRef>
+        <a:fontRef idx="minor">
+          <a:schemeClr val="tx1"/>
+        </a:fontRef>
+      </a:style>
+    </a:lnDef>
+  </a:objectDefaults>
+  <a:extraClrSchemeLst/>
+</a:theme>
+</file>
+
+<file path=ppt/theme/theme3.xml><?xml version="1.0" encoding="utf-8"?>
+<a:theme xmlns:a="http://schemas.openxmlformats.org/drawingml/2006/main" name="Office Theme">
+  <a:themeElements>
+    <a:clrScheme name="Office">
+      <a:dk1>
+        <a:sysClr val="windowText" lastClr="000000"/>
+      </a:dk1>
+      <a:lt1>
+        <a:sysClr val="window" lastClr="FFFFFF"/>
+      </a:lt1>
+      <a:dk2>
+        <a:srgbClr val="1F497D"/>
+      </a:dk2>
+      <a:lt2>
+        <a:srgbClr val="EEECE1"/>
+      </a:lt2>
+      <a:accent1>
+        <a:srgbClr val="4F81BD"/>
+      </a:accent1>
+      <a:accent2>
+        <a:srgbClr val="C0504D"/>
+      </a:accent2>
+      <a:accent3>
+        <a:srgbClr val="9BBB59"/>
+      </a:accent3>
+      <a:accent4>
+        <a:srgbClr val="8064A2"/>
+      </a:accent4>
+      <a:accent5>
+        <a:srgbClr val="4BACC6"/>
+      </a:accent5>
+      <a:accent6>
+        <a:srgbClr val="F79646"/>
+      </a:accent6>
+      <a:hlink>
+        <a:srgbClr val="0000FF"/>
+      </a:hlink>
+      <a:folHlink>
+        <a:srgbClr val="800080"/>
+      </a:folHlink>
+    </a:clrScheme>
+    <a:fontScheme name="Office">
+      <a:majorFont>
+        <a:latin typeface="Calibri"/>
+        <a:ea typeface=""/>
+        <a:cs typeface=""/>
+        <a:font script="Jpan" typeface="ＭＳ Ｐゴシック"/>
+        <a:font script="Hang" typeface="맑은 고딕"/>
+        <a:font script="Hans" typeface="宋体"/>
+        <a:font script="Hant" typeface="新細明體"/>
+        <a:font script="Arab" typeface="Times New Roman"/>
+        <a:font script="Hebr" typeface="Times New Roman"/>
+        <a:font script="Thai" typeface="Angsana New"/>
+        <a:font script="Ethi" typeface="Nyala"/>
+        <a:font script="Beng" typeface="Vrinda"/>
+        <a:font script="Gujr" typeface="Shruti"/>
+        <a:font script="Khmr" typeface="MoolBoran"/>
+        <a:font script="Knda" typeface="Tunga"/>
+        <a:font script="Guru" typeface="Raavi"/>
+        <a:font script="Cans" typeface="Euphemia"/>
+        <a:font script="Cher" typeface="Plantagenet Cherokee"/>
+        <a:font script="Yiii" typeface="Microsoft Yi Baiti"/>
+        <a:font script="Tibt" typeface="Microsoft Himalaya"/>
+        <a:font script="Thaa" typeface="MV Boli"/>
+        <a:font script="Deva" typeface="Mangal"/>
+        <a:font script="Telu" typeface="Gautami"/>
+        <a:font script="Taml" typeface="Latha"/>
+        <a:font script="Syrc" typeface="Estrangelo Edessa"/>
+        <a:font script="Orya" typeface="Kalinga"/>
+        <a:font script="Mlym" typeface="Kartika"/>
+        <a:font script="Laoo" typeface="DokChampa"/>
+        <a:font script="Sinh" typeface="Iskoola Pota"/>
+        <a:font script="Mong" typeface="Mongolian Baiti"/>
+        <a:font script="Viet" typeface="Times New Roman"/>
+        <a:font script="Uigh" typeface="Microsoft Uighur"/>
+        <a:font script="Geor" typeface="Sylfaen"/>
+      </a:majorFont>
+      <a:minorFont>
+        <a:latin typeface="Calibri"/>
+        <a:ea typeface=""/>
+        <a:cs typeface=""/>
+        <a:font script="Jpan" typeface="ＭＳ Ｐゴシック"/>
+        <a:font script="Hang" typeface="맑은 고딕"/>
+        <a:font script="Hans" typeface="宋体"/>
+        <a:font script="Hant" typeface="新細明體"/>
+        <a:font script="Arab" typeface="Arial"/>
+        <a:font script="Hebr" typeface="Arial"/>
+        <a:font script="Thai" typeface="Cordia New"/>
+        <a:font script="Ethi" typeface="Nyala"/>
+        <a:font script="Beng" typeface="Vrinda"/>
+        <a:font script="Gujr" typeface="Shruti"/>
+        <a:font script="Khmr" typeface="DaunPenh"/>
+        <a:font script="Knda" typeface="Tunga"/>
+        <a:font script="Guru" typeface="Raavi"/>
+        <a:font script="Cans" typeface="Euphemia"/>
+        <a:font script="Cher" typeface="Plantagenet Cherokee"/>
+        <a:font script="Yiii" typeface="Microsoft Yi Baiti"/>
+        <a:font script="Tibt" typeface="Microsoft Himalaya"/>
+        <a:font script="Thaa" typeface="MV Boli"/>
+        <a:font script="Deva" typeface="Mangal"/>
+        <a:font script="Telu" typeface="Gautami"/>
+        <a:font script="Taml" typeface="Latha"/>
+        <a:font script="Syrc" typeface="Estrangelo Edessa"/>
+        <a:font script="Orya" typeface="Kalinga"/>
+        <a:font script="Mlym" typeface="Kartika"/>
+        <a:font script="Laoo" typeface="DokChampa"/>
+        <a:font script="Sinh" typeface="Iskoola Pota"/>
+        <a:font script="Mong" typeface="Mongolian Baiti"/>
+        <a:font script="Viet" typeface="Arial"/>
+        <a:font script="Uigh" typeface="Microsoft Uighur"/>
+        <a:font script="Geor" typeface="Sylfaen"/>
+      </a:minorFont>
+    </a:fontScheme>
+    <a:fmtScheme name="Office">
+      <a:fillStyleLst>
+        <a:solidFill>
+          <a:schemeClr val="phClr"/>
+        </a:solidFill>
+        <a:gradFill rotWithShape="1">
+          <a:gsLst>
+            <a:gs pos="0">
+              <a:schemeClr val="phClr">
+                <a:tint val="50000"/>
+                <a:satMod val="300000"/>
+              </a:schemeClr>
+            </a:gs>
+            <a:gs pos="35000">
+              <a:schemeClr val="phClr">
+                <a:tint val="37000"/>
+                <a:satMod val="300000"/>
+              </a:schemeClr>
+            </a:gs>
+            <a:gs pos="100000">
+              <a:schemeClr val="phClr">
+                <a:tint val="15000"/>
+                <a:satMod val="350000"/>
+              </a:schemeClr>
+            </a:gs>
+          </a:gsLst>
+          <a:lin ang="16200000" scaled="1"/>
+        </a:gradFill>
+        <a:gradFill rotWithShape="1">
+          <a:gsLst>
+            <a:gs pos="0">
+              <a:schemeClr val="phClr">
+                <a:tint val="100000"/>
+                <a:shade val="100000"/>
+                <a:satMod val="130000"/>
+              </a:schemeClr>
+            </a:gs>
+            <a:gs pos="100000">
+              <a:schemeClr val="phClr">
+                <a:tint val="50000"/>
+                <a:shade val="100000"/>
+                <a:satMod val="350000"/>
+              </a:schemeClr>
+            </a:gs>
+          </a:gsLst>
+          <a:lin ang="16200000" scaled="0"/>
+        </a:gradFill>
+      </a:fillStyleLst>
+      <a:lnStyleLst>
+        <a:ln w="9525" cap="flat" cmpd="sng" algn="ctr">
+          <a:solidFill>
+            <a:schemeClr val="phClr">
+              <a:shade val="95000"/>
+              <a:satMod val="105000"/>
+            </a:schemeClr>
+          </a:solidFill>
+          <a:prstDash val="solid"/>
+        </a:ln>
+        <a:ln w="25400" cap="flat" cmpd="sng" algn="ctr">
+          <a:solidFill>
+            <a:schemeClr val="phClr"/>
+          </a:solidFill>
+          <a:prstDash val="solid"/>
+        </a:ln>
+        <a:ln w="38100" cap="flat" cmpd="sng" algn="ctr">
+          <a:solidFill>
+            <a:schemeClr val="phClr"/>
+          </a:solidFill>
+          <a:prstDash val="solid"/>
+        </a:ln>
+      </a:lnStyleLst>
+      <a:effectStyleLst>
+        <a:effectStyle>
+          <a:effectLst>
+            <a:outerShdw blurRad="40000" dist="20000" dir="5400000" rotWithShape="0">
+              <a:srgbClr val="000000">
+                <a:alpha val="38000"/>
+              </a:srgbClr>
+            </a:outerShdw>
+          </a:effectLst>
+        </a:effectStyle>
+        <a:effectStyle>
+          <a:effectLst>
+            <a:outerShdw blurRad="40000" dist="23000" dir="5400000" rotWithShape="0">
+              <a:srgbClr val="000000">
+                <a:alpha val="35000"/>
+              </a:srgbClr>
+            </a:outerShdw>
+          </a:effectLst>
+        </a:effectStyle>
+        <a:effectStyle>
+          <a:effectLst>
+            <a:outerShdw blurRad="40000" dist="23000" dir="5400000" rotWithShape="0">
+              <a:srgbClr val="000000">
+                <a:alpha val="35000"/>
+              </a:srgbClr>
+            </a:outerShdw>
+          </a:effectLst>
+          <a:scene3d>
+            <a:camera prst="orthographicFront">
+              <a:rot lat="0" lon="0" rev="0"/>
+            </a:camera>
+            <a:lightRig rig="threePt" dir="t">
+              <a:rot lat="0" lon="0" rev="1200000"/>
+            </a:lightRig>
+          </a:scene3d>
+          <a:sp3d>
+            <a:bevelT w="63500" h="25400"/>
+          </a:sp3d>
+        </a:effectStyle>
+      </a:effectStyleLst>
+      <a:bgFillStyleLst>
+        <a:solidFill>
+          <a:schemeClr val="phClr"/>
+        </a:solidFill>
+        <a:gradFill rotWithShape="1">
+          <a:gsLst>
+            <a:gs pos="0">
+              <a:schemeClr val="phClr">
+                <a:tint val="40000"/>
+                <a:satMod val="350000"/>
+              </a:schemeClr>
+            </a:gs>
+            <a:gs pos="40000">
+              <a:schemeClr val="phClr">
+                <a:tint val="45000"/>
+                <a:shade val="99000"/>
+                <a:satMod val="350000"/>
+              </a:schemeClr>
+            </a:gs>
+            <a:gs pos="100000">
+              <a:schemeClr val="phClr">
+                <a:shade val="20000"/>
+                <a:satMod val="255000"/>
+              </a:schemeClr>
+            </a:gs>
+          </a:gsLst>
+          <a:path path="circle">
+            <a:fillToRect l="50000" t="-80000" r="50000" b="180000"/>
+          </a:path>
+        </a:gradFill>
+        <a:gradFill rotWithShape="1">
+          <a:gsLst>
+            <a:gs pos="0">
+              <a:schemeClr val="phClr">
+                <a:tint val="80000"/>
+                <a:satMod val="300000"/>
+              </a:schemeClr>
+            </a:gs>
+            <a:gs pos="100000">
+              <a:schemeClr val="phClr">
+                <a:shade val="30000"/>
+                <a:satMod val="200000"/>
+              </a:schemeClr>
+            </a:gs>
+          </a:gsLst>
+          <a:path path="circle">
+            <a:fillToRect l="50000" t="50000" r="50000" b="50000"/>
+          </a:path>
+        </a:gradFill>
+      </a:bgFillStyleLst>
+    </a:fmtScheme>
+  </a:themeElements>
+  <a:objectDefaults>
+    <a:spDef>
+      <a:spPr/>
+      <a:bodyPr/>
+      <a:lstStyle/>
+      <a:style>
+        <a:lnRef idx="1">
+          <a:schemeClr val="accent1"/>
+        </a:lnRef>
+        <a:fillRef idx="3">
+          <a:schemeClr val="accent1"/>
+        </a:fillRef>
+        <a:effectRef idx="2">
+          <a:schemeClr val="accent1"/>
+        </a:effectRef>
+        <a:fontRef idx="minor">
+          <a:schemeClr val="lt1"/>
+        </a:fontRef>
+      </a:style>
+    </a:spDef>
+    <a:lnDef>
+      <a:spPr/>
+      <a:bodyPr/>
+      <a:lstStyle/>
+      <a:style>
+        <a:lnRef idx="2">
+          <a:schemeClr val="accent1"/>
+        </a:lnRef>
+        <a:fillRef idx="0">
+          <a:schemeClr val="accent1"/>
+        </a:fillRef>
+        <a:effectRef idx="1">
+          <a:schemeClr val="accent1"/>
+        </a:effectRef>
+        <a:fontRef idx="minor">
+          <a:schemeClr val="tx1"/>
+        </a:fontRef>
+      </a:style>
+    </a:lnDef>
+  </a:objectDefaults>
+  <a:extraClrSchemeLst/>
+</a:theme>
 </file>
--- a/Project Plan/Team 3 Vision and Proejct Plan.pptx
+++ b/Project Plan/Team 3 Vision and Proejct Plan.pptx
@@ -5,28 +5,23 @@
     <p:sldMasterId id="2147483708" r:id="rId1"/>
   </p:sldMasterIdLst>
   <p:notesMasterIdLst>
-    <p:notesMasterId r:id="rId18"/>
+    <p:notesMasterId r:id="rId13"/>
   </p:notesMasterIdLst>
   <p:handoutMasterIdLst>
-    <p:handoutMasterId r:id="rId19"/>
+    <p:handoutMasterId r:id="rId14"/>
   </p:handoutMasterIdLst>
   <p:sldIdLst>
     <p:sldId id="265" r:id="rId2"/>
     <p:sldId id="266" r:id="rId3"/>
-    <p:sldId id="267" r:id="rId4"/>
-    <p:sldId id="268" r:id="rId5"/>
-    <p:sldId id="269" r:id="rId6"/>
-    <p:sldId id="270" r:id="rId7"/>
-    <p:sldId id="271" r:id="rId8"/>
-    <p:sldId id="256" r:id="rId9"/>
-    <p:sldId id="258" r:id="rId10"/>
-    <p:sldId id="263" r:id="rId11"/>
-    <p:sldId id="264" r:id="rId12"/>
-    <p:sldId id="272" r:id="rId13"/>
-    <p:sldId id="273" r:id="rId14"/>
-    <p:sldId id="260" r:id="rId15"/>
-    <p:sldId id="257" r:id="rId16"/>
-    <p:sldId id="262" r:id="rId17"/>
+    <p:sldId id="256" r:id="rId4"/>
+    <p:sldId id="260" r:id="rId5"/>
+    <p:sldId id="267" r:id="rId6"/>
+    <p:sldId id="268" r:id="rId7"/>
+    <p:sldId id="269" r:id="rId8"/>
+    <p:sldId id="270" r:id="rId9"/>
+    <p:sldId id="263" r:id="rId10"/>
+    <p:sldId id="273" r:id="rId11"/>
+    <p:sldId id="257" r:id="rId12"/>
   </p:sldIdLst>
   <p:sldSz cx="9144000" cy="6858000" type="screen4x3"/>
   <p:notesSz cx="6858000" cy="9144000"/>
@@ -210,7 +205,7 @@
           <a:p>
             <a:fld id="{B8A304AA-2D58-F447-8E23-649D73DC13B5}" type="datetimeFigureOut">
               <a:rPr lang="en-US" smtClean="0"/>
-              <a:t>9/16/13</a:t>
+              <a:t>10/5/2013</a:t>
             </a:fld>
             <a:endParaRPr lang="en-US"/>
           </a:p>
@@ -376,7 +371,7 @@
           <a:p>
             <a:fld id="{FAD43DC9-2C55-C344-8A96-C6C167460FA1}" type="datetimeFigureOut">
               <a:rPr lang="en-US" smtClean="0"/>
-              <a:t>9/16/13</a:t>
+              <a:t>10/5/2013</a:t>
             </a:fld>
             <a:endParaRPr lang="en-US"/>
           </a:p>
@@ -839,7 +834,7 @@
           <a:p>
             <a:fld id="{A81A36A7-36E7-0646-A127-2918D2CDE0B9}" type="datetime1">
               <a:rPr lang="en-US" smtClean="0"/>
-              <a:t>9/16/13</a:t>
+              <a:t>10/5/2013</a:t>
             </a:fld>
             <a:endParaRPr lang="en-US"/>
           </a:p>
@@ -1004,7 +999,7 @@
           <a:p>
             <a:fld id="{82605E26-E05F-2C42-A3E8-4D777783327E}" type="datetime1">
               <a:rPr lang="en-US" smtClean="0"/>
-              <a:t>9/16/13</a:t>
+              <a:t>10/5/2013</a:t>
             </a:fld>
             <a:endParaRPr lang="en-US"/>
           </a:p>
@@ -1179,7 +1174,7 @@
           <a:p>
             <a:fld id="{1D104BC7-F9E8-DB4C-81F3-9D611099FDC1}" type="datetime1">
               <a:rPr lang="en-US" smtClean="0"/>
-              <a:t>9/16/13</a:t>
+              <a:t>10/5/2013</a:t>
             </a:fld>
             <a:endParaRPr lang="en-US"/>
           </a:p>
@@ -1344,7 +1339,7 @@
           <a:p>
             <a:fld id="{3CA39466-905A-9442-AC9C-B59CCA223ECD}" type="datetime1">
               <a:rPr lang="en-US" smtClean="0"/>
-              <a:t>9/16/13</a:t>
+              <a:t>10/5/2013</a:t>
             </a:fld>
             <a:endParaRPr lang="en-US"/>
           </a:p>
@@ -1585,7 +1580,7 @@
           <a:p>
             <a:fld id="{4593E49D-A072-9C40-9FEA-506624AFE44E}" type="datetime1">
               <a:rPr lang="en-US" smtClean="0"/>
-              <a:t>9/16/13</a:t>
+              <a:t>10/5/2013</a:t>
             </a:fld>
             <a:endParaRPr lang="en-US"/>
           </a:p>
@@ -1868,7 +1863,7 @@
           <a:p>
             <a:fld id="{A5DF426D-DD9D-4245-9C41-5592303977E9}" type="datetime1">
               <a:rPr lang="en-US" smtClean="0"/>
-              <a:t>9/16/13</a:t>
+              <a:t>10/5/2013</a:t>
             </a:fld>
             <a:endParaRPr lang="en-US"/>
           </a:p>
@@ -2297,7 +2292,7 @@
           <a:p>
             <a:fld id="{99EA5504-74F4-0D43-87A8-72D4D5553C7C}" type="datetime1">
               <a:rPr lang="en-US" smtClean="0"/>
-              <a:t>9/16/13</a:t>
+              <a:t>10/5/2013</a:t>
             </a:fld>
             <a:endParaRPr lang="en-US"/>
           </a:p>
@@ -2410,7 +2405,7 @@
           <a:p>
             <a:fld id="{0266B2C2-8497-4948-B22D-4774622250E2}" type="datetime1">
               <a:rPr lang="en-US" smtClean="0"/>
-              <a:t>9/16/13</a:t>
+              <a:t>10/5/2013</a:t>
             </a:fld>
             <a:endParaRPr lang="en-US"/>
           </a:p>
@@ -2500,7 +2495,7 @@
           <a:p>
             <a:fld id="{300877AA-40C4-354E-9F32-8FBB0F97559F}" type="datetime1">
               <a:rPr lang="en-US" smtClean="0"/>
-              <a:t>9/16/13</a:t>
+              <a:t>10/5/2013</a:t>
             </a:fld>
             <a:endParaRPr lang="en-US"/>
           </a:p>
@@ -2689,7 +2684,7 @@
           <a:p>
             <a:fld id="{9C8930EF-17A6-C94B-A1D5-CA65A8B66ED0}" type="datetime1">
               <a:rPr lang="en-US" smtClean="0"/>
-              <a:t>9/16/13</a:t>
+              <a:t>10/5/2013</a:t>
             </a:fld>
             <a:endParaRPr lang="en-US"/>
           </a:p>
@@ -3007,7 +3002,7 @@
           <a:p>
             <a:fld id="{17D5EC16-DF76-DD4A-A244-FD601146A7DC}" type="datetime1">
               <a:rPr lang="en-US" smtClean="0"/>
-              <a:t>9/16/13</a:t>
+              <a:t>10/5/2013</a:t>
             </a:fld>
             <a:endParaRPr lang="en-US"/>
           </a:p>
@@ -3386,7 +3381,7 @@
           <a:p>
             <a:fld id="{C4343423-2601-CD4D-AF7E-7A2A726B4B4C}" type="datetime1">
               <a:rPr lang="en-US" smtClean="0"/>
-              <a:t>9/16/13</a:t>
+              <a:t>10/5/2013</a:t>
             </a:fld>
             <a:endParaRPr lang="en-US"/>
           </a:p>
@@ -3813,7 +3808,7 @@
   <p:timing>
     <p:tnLst>
       <p:par>
-        <p:cTn xmlns:p14="http://schemas.microsoft.com/office/powerpoint/2010/main" id="1" dur="indefinite" restart="never" nodeType="tmRoot"/>
+        <p:cTn id="1" dur="indefinite" restart="never" nodeType="tmRoot"/>
       </p:par>
     </p:tnLst>
   </p:timing>
@@ -3853,8 +3848,12 @@
           <a:lstStyle/>
           <a:p>
             <a:r>
+              <a:rPr lang="en-US" dirty="0"/>
+              <a:t>Rough </a:t>
+            </a:r>
+            <a:r>
               <a:rPr lang="en-US" dirty="0" smtClean="0"/>
-              <a:t>Tools</a:t>
+              <a:t>Interface -  Demo</a:t>
             </a:r>
             <a:endParaRPr lang="en-US" dirty="0"/>
           </a:p>
@@ -3874,31 +3873,6 @@
         <p:txBody>
           <a:bodyPr/>
           <a:lstStyle/>
-          <a:p>
-            <a:r>
-              <a:rPr lang="en-US" dirty="0" err="1" smtClean="0"/>
-              <a:t>Git</a:t>
-            </a:r>
-            <a:r>
-              <a:rPr lang="en-US" dirty="0" smtClean="0"/>
-              <a:t> Repository</a:t>
-            </a:r>
-          </a:p>
-          <a:p>
-            <a:r>
-              <a:rPr lang="en-US" dirty="0" smtClean="0"/>
-              <a:t>Excel Bug Tracking</a:t>
-            </a:r>
-          </a:p>
-          <a:p>
-            <a:r>
-              <a:rPr lang="en-US" dirty="0" smtClean="0"/>
-              <a:t>Weekly Status Meetings</a:t>
-            </a:r>
-          </a:p>
-          <a:p>
-            <a:endParaRPr lang="en-US" dirty="0" smtClean="0"/>
-          </a:p>
           <a:p>
             <a:pPr marL="114300" indent="0">
               <a:buNone/>
@@ -3945,7 +3919,7 @@
     </p:spTree>
     <p:extLst>
       <p:ext uri="{BB962C8B-B14F-4D97-AF65-F5344CB8AC3E}">
-        <p14:creationId xmlns:p14="http://schemas.microsoft.com/office/powerpoint/2010/main" val="1237457766"/>
+        <p14:creationId xmlns:p14="http://schemas.microsoft.com/office/powerpoint/2010/main" val="1273751047"/>
       </p:ext>
     </p:extLst>
   </p:cSld>
@@ -3955,7 +3929,7 @@
   <p:timing>
     <p:tnLst>
       <p:par>
-        <p:cTn xmlns:p14="http://schemas.microsoft.com/office/powerpoint/2010/main" id="1" dur="indefinite" restart="never" nodeType="tmRoot"/>
+        <p:cTn id="1" dur="indefinite" restart="never" nodeType="tmRoot"/>
       </p:par>
     </p:tnLst>
   </p:timing>
@@ -3996,9 +3970,12 @@
           <a:p>
             <a:r>
               <a:rPr lang="en-US" dirty="0" smtClean="0"/>
-              <a:t>Responsibilities</a:t>
-            </a:r>
-            <a:endParaRPr lang="en-US" dirty="0"/>
+              <a:t>Increment </a:t>
+            </a:r>
+            <a:r>
+              <a:rPr lang="en-US" dirty="0"/>
+              <a:t>2 Deliverables</a:t>
+            </a:r>
           </a:p>
         </p:txBody>
       </p:sp>
@@ -4016,27 +3993,6 @@
         <p:txBody>
           <a:bodyPr/>
           <a:lstStyle/>
-          <a:p>
-            <a:r>
-              <a:rPr lang="en-US" dirty="0" smtClean="0"/>
-              <a:t>Dan Lain – Team Lead</a:t>
-            </a:r>
-          </a:p>
-          <a:p>
-            <a:r>
-              <a:rPr lang="en-US" dirty="0" smtClean="0"/>
-              <a:t>Gary Johns – Lead Programmer</a:t>
-            </a:r>
-          </a:p>
-          <a:p>
-            <a:r>
-              <a:rPr lang="en-US" dirty="0" smtClean="0"/>
-              <a:t>Jose Flores – Risk Management</a:t>
-            </a:r>
-          </a:p>
-          <a:p>
-            <a:endParaRPr lang="en-US" dirty="0" smtClean="0"/>
-          </a:p>
           <a:p>
             <a:pPr marL="114300" indent="0">
               <a:buNone/>
@@ -4044,551 +4000,6 @@
             <a:endParaRPr lang="en-US" dirty="0" smtClean="0"/>
           </a:p>
           <a:p>
-            <a:pPr marL="114300" indent="0">
-              <a:buNone/>
-            </a:pPr>
-            <a:endParaRPr lang="en-US" dirty="0" smtClean="0"/>
-          </a:p>
-          <a:p>
-            <a:pPr marL="114300" indent="0">
-              <a:buNone/>
-            </a:pPr>
-            <a:endParaRPr lang="en-US" dirty="0"/>
-          </a:p>
-        </p:txBody>
-      </p:sp>
-      <p:sp>
-        <p:nvSpPr>
-          <p:cNvPr id="4" name="Slide Number Placeholder 3"/>
-          <p:cNvSpPr>
-            <a:spLocks noGrp="1"/>
-          </p:cNvSpPr>
-          <p:nvPr>
-            <p:ph type="sldNum" sz="quarter" idx="12"/>
-          </p:nvPr>
-        </p:nvSpPr>
-        <p:spPr/>
-        <p:txBody>
-          <a:bodyPr/>
-          <a:lstStyle/>
-          <a:p>
-            <a:fld id="{47DBC36D-8629-4A26-B3EA-358F99E6BE49}" type="slidenum">
-              <a:rPr lang="en-US" smtClean="0"/>
-              <a:t>11</a:t>
-            </a:fld>
-            <a:endParaRPr lang="en-US"/>
-          </a:p>
-        </p:txBody>
-      </p:sp>
-    </p:spTree>
-    <p:extLst>
-      <p:ext uri="{BB962C8B-B14F-4D97-AF65-F5344CB8AC3E}">
-        <p14:creationId xmlns:p14="http://schemas.microsoft.com/office/powerpoint/2010/main" val="3780182550"/>
-      </p:ext>
-    </p:extLst>
-  </p:cSld>
-  <p:clrMapOvr>
-    <a:masterClrMapping/>
-  </p:clrMapOvr>
-  <p:timing>
-    <p:tnLst>
-      <p:par>
-        <p:cTn xmlns:p14="http://schemas.microsoft.com/office/powerpoint/2010/main" id="1" dur="indefinite" restart="never" nodeType="tmRoot"/>
-      </p:par>
-    </p:tnLst>
-  </p:timing>
-</p:sld>
-</file>
-
-<file path=ppt/slides/slide12.xml><?xml version="1.0" encoding="utf-8"?>
-<p:sld xmlns:a="http://schemas.openxmlformats.org/drawingml/2006/main" xmlns:r="http://schemas.openxmlformats.org/officeDocument/2006/relationships" xmlns:p="http://schemas.openxmlformats.org/presentationml/2006/main">
-  <p:cSld>
-    <p:spTree>
-      <p:nvGrpSpPr>
-        <p:cNvPr id="1" name=""/>
-        <p:cNvGrpSpPr/>
-        <p:nvPr/>
-      </p:nvGrpSpPr>
-      <p:grpSpPr>
-        <a:xfrm>
-          <a:off x="0" y="0"/>
-          <a:ext cx="0" cy="0"/>
-          <a:chOff x="0" y="0"/>
-          <a:chExt cx="0" cy="0"/>
-        </a:xfrm>
-      </p:grpSpPr>
-      <p:sp>
-        <p:nvSpPr>
-          <p:cNvPr id="2" name="Title 1"/>
-          <p:cNvSpPr>
-            <a:spLocks noGrp="1"/>
-          </p:cNvSpPr>
-          <p:nvPr>
-            <p:ph type="title"/>
-          </p:nvPr>
-        </p:nvSpPr>
-        <p:spPr/>
-        <p:txBody>
-          <a:bodyPr/>
-          <a:lstStyle/>
-          <a:p>
-            <a:r>
-              <a:rPr lang="en-US" dirty="0" smtClean="0"/>
-              <a:t>Critical Path</a:t>
-            </a:r>
-            <a:endParaRPr lang="en-US" dirty="0"/>
-          </a:p>
-        </p:txBody>
-      </p:sp>
-      <p:sp>
-        <p:nvSpPr>
-          <p:cNvPr id="3" name="Content Placeholder 2"/>
-          <p:cNvSpPr>
-            <a:spLocks noGrp="1"/>
-          </p:cNvSpPr>
-          <p:nvPr>
-            <p:ph idx="1"/>
-          </p:nvPr>
-        </p:nvSpPr>
-        <p:spPr/>
-        <p:txBody>
-          <a:bodyPr/>
-          <a:lstStyle/>
-          <a:p>
-            <a:r>
-              <a:rPr lang="en-US" dirty="0" smtClean="0"/>
-              <a:t>Increments Build on the Work of the Previous Increment</a:t>
-            </a:r>
-          </a:p>
-          <a:p>
-            <a:endParaRPr lang="en-US" dirty="0" smtClean="0"/>
-          </a:p>
-          <a:p>
-            <a:pPr marL="114300" indent="0">
-              <a:buNone/>
-            </a:pPr>
-            <a:endParaRPr lang="en-US" dirty="0" smtClean="0"/>
-          </a:p>
-          <a:p>
-            <a:pPr marL="114300" indent="0">
-              <a:buNone/>
-            </a:pPr>
-            <a:endParaRPr lang="en-US" dirty="0" smtClean="0"/>
-          </a:p>
-          <a:p>
-            <a:pPr marL="114300" indent="0">
-              <a:buNone/>
-            </a:pPr>
-            <a:endParaRPr lang="en-US" dirty="0"/>
-          </a:p>
-        </p:txBody>
-      </p:sp>
-      <p:sp>
-        <p:nvSpPr>
-          <p:cNvPr id="4" name="Slide Number Placeholder 3"/>
-          <p:cNvSpPr>
-            <a:spLocks noGrp="1"/>
-          </p:cNvSpPr>
-          <p:nvPr>
-            <p:ph type="sldNum" sz="quarter" idx="12"/>
-          </p:nvPr>
-        </p:nvSpPr>
-        <p:spPr/>
-        <p:txBody>
-          <a:bodyPr/>
-          <a:lstStyle/>
-          <a:p>
-            <a:fld id="{47DBC36D-8629-4A26-B3EA-358F99E6BE49}" type="slidenum">
-              <a:rPr lang="en-US" smtClean="0"/>
-              <a:t>12</a:t>
-            </a:fld>
-            <a:endParaRPr lang="en-US"/>
-          </a:p>
-        </p:txBody>
-      </p:sp>
-    </p:spTree>
-    <p:extLst>
-      <p:ext uri="{BB962C8B-B14F-4D97-AF65-F5344CB8AC3E}">
-        <p14:creationId xmlns:p14="http://schemas.microsoft.com/office/powerpoint/2010/main" val="1736737067"/>
-      </p:ext>
-    </p:extLst>
-  </p:cSld>
-  <p:clrMapOvr>
-    <a:masterClrMapping/>
-  </p:clrMapOvr>
-  <p:timing>
-    <p:tnLst>
-      <p:par>
-        <p:cTn xmlns:p14="http://schemas.microsoft.com/office/powerpoint/2010/main" id="1" dur="indefinite" restart="never" nodeType="tmRoot"/>
-      </p:par>
-    </p:tnLst>
-  </p:timing>
-</p:sld>
-</file>
-
-<file path=ppt/slides/slide13.xml><?xml version="1.0" encoding="utf-8"?>
-<p:sld xmlns:a="http://schemas.openxmlformats.org/drawingml/2006/main" xmlns:r="http://schemas.openxmlformats.org/officeDocument/2006/relationships" xmlns:p="http://schemas.openxmlformats.org/presentationml/2006/main">
-  <p:cSld>
-    <p:spTree>
-      <p:nvGrpSpPr>
-        <p:cNvPr id="1" name=""/>
-        <p:cNvGrpSpPr/>
-        <p:nvPr/>
-      </p:nvGrpSpPr>
-      <p:grpSpPr>
-        <a:xfrm>
-          <a:off x="0" y="0"/>
-          <a:ext cx="0" cy="0"/>
-          <a:chOff x="0" y="0"/>
-          <a:chExt cx="0" cy="0"/>
-        </a:xfrm>
-      </p:grpSpPr>
-      <p:sp>
-        <p:nvSpPr>
-          <p:cNvPr id="2" name="Title 1"/>
-          <p:cNvSpPr>
-            <a:spLocks noGrp="1"/>
-          </p:cNvSpPr>
-          <p:nvPr>
-            <p:ph type="title"/>
-          </p:nvPr>
-        </p:nvSpPr>
-        <p:spPr/>
-        <p:txBody>
-          <a:bodyPr/>
-          <a:lstStyle/>
-          <a:p>
-            <a:r>
-              <a:rPr lang="en-US" dirty="0" smtClean="0"/>
-              <a:t>Testing Methodology</a:t>
-            </a:r>
-            <a:endParaRPr lang="en-US" dirty="0"/>
-          </a:p>
-        </p:txBody>
-      </p:sp>
-      <p:sp>
-        <p:nvSpPr>
-          <p:cNvPr id="3" name="Content Placeholder 2"/>
-          <p:cNvSpPr>
-            <a:spLocks noGrp="1"/>
-          </p:cNvSpPr>
-          <p:nvPr>
-            <p:ph idx="1"/>
-          </p:nvPr>
-        </p:nvSpPr>
-        <p:spPr/>
-        <p:txBody>
-          <a:bodyPr/>
-          <a:lstStyle/>
-          <a:p>
-            <a:r>
-              <a:rPr lang="en-US" dirty="0" smtClean="0"/>
-              <a:t>Tests Performed on Each Module</a:t>
-            </a:r>
-          </a:p>
-          <a:p>
-            <a:r>
-              <a:rPr lang="en-US" dirty="0" smtClean="0"/>
-              <a:t>Acceptance Tests Performed by Team</a:t>
-            </a:r>
-          </a:p>
-          <a:p>
-            <a:r>
-              <a:rPr lang="en-US" dirty="0" smtClean="0"/>
-              <a:t>“Done” When Team Agrees</a:t>
-            </a:r>
-          </a:p>
-          <a:p>
-            <a:endParaRPr lang="en-US" dirty="0" smtClean="0"/>
-          </a:p>
-          <a:p>
-            <a:pPr marL="114300" indent="0">
-              <a:buNone/>
-            </a:pPr>
-            <a:endParaRPr lang="en-US" dirty="0" smtClean="0"/>
-          </a:p>
-          <a:p>
-            <a:pPr marL="114300" indent="0">
-              <a:buNone/>
-            </a:pPr>
-            <a:endParaRPr lang="en-US" dirty="0" smtClean="0"/>
-          </a:p>
-          <a:p>
-            <a:pPr marL="114300" indent="0">
-              <a:buNone/>
-            </a:pPr>
-            <a:endParaRPr lang="en-US" dirty="0"/>
-          </a:p>
-        </p:txBody>
-      </p:sp>
-      <p:sp>
-        <p:nvSpPr>
-          <p:cNvPr id="4" name="Slide Number Placeholder 3"/>
-          <p:cNvSpPr>
-            <a:spLocks noGrp="1"/>
-          </p:cNvSpPr>
-          <p:nvPr>
-            <p:ph type="sldNum" sz="quarter" idx="12"/>
-          </p:nvPr>
-        </p:nvSpPr>
-        <p:spPr/>
-        <p:txBody>
-          <a:bodyPr/>
-          <a:lstStyle/>
-          <a:p>
-            <a:fld id="{47DBC36D-8629-4A26-B3EA-358F99E6BE49}" type="slidenum">
-              <a:rPr lang="en-US" smtClean="0"/>
-              <a:t>13</a:t>
-            </a:fld>
-            <a:endParaRPr lang="en-US"/>
-          </a:p>
-        </p:txBody>
-      </p:sp>
-    </p:spTree>
-    <p:extLst>
-      <p:ext uri="{BB962C8B-B14F-4D97-AF65-F5344CB8AC3E}">
-        <p14:creationId xmlns:p14="http://schemas.microsoft.com/office/powerpoint/2010/main" val="1273751047"/>
-      </p:ext>
-    </p:extLst>
-  </p:cSld>
-  <p:clrMapOvr>
-    <a:masterClrMapping/>
-  </p:clrMapOvr>
-  <p:timing>
-    <p:tnLst>
-      <p:par>
-        <p:cTn xmlns:p14="http://schemas.microsoft.com/office/powerpoint/2010/main" id="1" dur="indefinite" restart="never" nodeType="tmRoot"/>
-      </p:par>
-    </p:tnLst>
-  </p:timing>
-</p:sld>
-</file>
-
-<file path=ppt/slides/slide14.xml><?xml version="1.0" encoding="utf-8"?>
-<p:sld xmlns:a="http://schemas.openxmlformats.org/drawingml/2006/main" xmlns:r="http://schemas.openxmlformats.org/officeDocument/2006/relationships" xmlns:p="http://schemas.openxmlformats.org/presentationml/2006/main">
-  <p:cSld>
-    <p:spTree>
-      <p:nvGrpSpPr>
-        <p:cNvPr id="1" name=""/>
-        <p:cNvGrpSpPr/>
-        <p:nvPr/>
-      </p:nvGrpSpPr>
-      <p:grpSpPr>
-        <a:xfrm>
-          <a:off x="0" y="0"/>
-          <a:ext cx="0" cy="0"/>
-          <a:chOff x="0" y="0"/>
-          <a:chExt cx="0" cy="0"/>
-        </a:xfrm>
-      </p:grpSpPr>
-      <p:sp>
-        <p:nvSpPr>
-          <p:cNvPr id="2" name="Title 1"/>
-          <p:cNvSpPr>
-            <a:spLocks noGrp="1"/>
-          </p:cNvSpPr>
-          <p:nvPr>
-            <p:ph type="title"/>
-          </p:nvPr>
-        </p:nvSpPr>
-        <p:spPr/>
-        <p:txBody>
-          <a:bodyPr/>
-          <a:lstStyle/>
-          <a:p>
-            <a:r>
-              <a:rPr lang="en-US" dirty="0" smtClean="0"/>
-              <a:t>Increment 1 Deliverables</a:t>
-            </a:r>
-            <a:endParaRPr lang="en-US" dirty="0"/>
-          </a:p>
-        </p:txBody>
-      </p:sp>
-      <p:sp>
-        <p:nvSpPr>
-          <p:cNvPr id="3" name="Content Placeholder 2"/>
-          <p:cNvSpPr>
-            <a:spLocks noGrp="1"/>
-          </p:cNvSpPr>
-          <p:nvPr>
-            <p:ph idx="1"/>
-          </p:nvPr>
-        </p:nvSpPr>
-        <p:spPr/>
-        <p:txBody>
-          <a:bodyPr/>
-          <a:lstStyle/>
-          <a:p>
-            <a:r>
-              <a:rPr lang="en-US" dirty="0" smtClean="0"/>
-              <a:t>Inception </a:t>
-            </a:r>
-          </a:p>
-          <a:p>
-            <a:r>
-              <a:rPr lang="en-US" dirty="0" smtClean="0"/>
-              <a:t>Database</a:t>
-            </a:r>
-            <a:r>
-              <a:rPr lang="en-US" dirty="0"/>
-              <a:t> </a:t>
-            </a:r>
-            <a:r>
-              <a:rPr lang="en-US" dirty="0" smtClean="0"/>
-              <a:t>Design</a:t>
-            </a:r>
-          </a:p>
-          <a:p>
-            <a:r>
-              <a:rPr lang="en-US" dirty="0" smtClean="0"/>
-              <a:t>Rough Interface</a:t>
-            </a:r>
-          </a:p>
-          <a:p>
-            <a:r>
-              <a:rPr lang="en-US" dirty="0" smtClean="0"/>
-              <a:t>User Creation</a:t>
-            </a:r>
-          </a:p>
-          <a:p>
-            <a:r>
-              <a:rPr lang="en-US" dirty="0" smtClean="0"/>
-              <a:t>Login</a:t>
-            </a:r>
-          </a:p>
-          <a:p>
-            <a:r>
-              <a:rPr lang="en-US" dirty="0" smtClean="0"/>
-              <a:t>Role Creation</a:t>
-            </a:r>
-          </a:p>
-          <a:p>
-            <a:r>
-              <a:rPr lang="en-US" dirty="0" smtClean="0"/>
-              <a:t>User Management</a:t>
-            </a:r>
-          </a:p>
-          <a:p>
-            <a:r>
-              <a:rPr lang="en-US" dirty="0" smtClean="0"/>
-              <a:t>Role Management </a:t>
-            </a:r>
-          </a:p>
-          <a:p>
-            <a:r>
-              <a:rPr lang="en-US" dirty="0" smtClean="0"/>
-              <a:t>Company Properties</a:t>
-            </a:r>
-          </a:p>
-        </p:txBody>
-      </p:sp>
-      <p:sp>
-        <p:nvSpPr>
-          <p:cNvPr id="4" name="Slide Number Placeholder 3"/>
-          <p:cNvSpPr>
-            <a:spLocks noGrp="1"/>
-          </p:cNvSpPr>
-          <p:nvPr>
-            <p:ph type="sldNum" sz="quarter" idx="12"/>
-          </p:nvPr>
-        </p:nvSpPr>
-        <p:spPr/>
-        <p:txBody>
-          <a:bodyPr/>
-          <a:lstStyle/>
-          <a:p>
-            <a:fld id="{47DBC36D-8629-4A26-B3EA-358F99E6BE49}" type="slidenum">
-              <a:rPr lang="en-US" smtClean="0"/>
-              <a:t>14</a:t>
-            </a:fld>
-            <a:endParaRPr lang="en-US"/>
-          </a:p>
-        </p:txBody>
-      </p:sp>
-    </p:spTree>
-    <p:extLst>
-      <p:ext uri="{BB962C8B-B14F-4D97-AF65-F5344CB8AC3E}">
-        <p14:creationId xmlns:p14="http://schemas.microsoft.com/office/powerpoint/2010/main" val="4085086854"/>
-      </p:ext>
-    </p:extLst>
-  </p:cSld>
-  <p:clrMapOvr>
-    <a:masterClrMapping/>
-  </p:clrMapOvr>
-  <p:timing>
-    <p:tnLst>
-      <p:par>
-        <p:cTn xmlns:p14="http://schemas.microsoft.com/office/powerpoint/2010/main" id="1" dur="indefinite" restart="never" nodeType="tmRoot"/>
-      </p:par>
-    </p:tnLst>
-  </p:timing>
-</p:sld>
-</file>
-
-<file path=ppt/slides/slide15.xml><?xml version="1.0" encoding="utf-8"?>
-<p:sld xmlns:a="http://schemas.openxmlformats.org/drawingml/2006/main" xmlns:r="http://schemas.openxmlformats.org/officeDocument/2006/relationships" xmlns:p="http://schemas.openxmlformats.org/presentationml/2006/main">
-  <p:cSld>
-    <p:spTree>
-      <p:nvGrpSpPr>
-        <p:cNvPr id="1" name=""/>
-        <p:cNvGrpSpPr/>
-        <p:nvPr/>
-      </p:nvGrpSpPr>
-      <p:grpSpPr>
-        <a:xfrm>
-          <a:off x="0" y="0"/>
-          <a:ext cx="0" cy="0"/>
-          <a:chOff x="0" y="0"/>
-          <a:chExt cx="0" cy="0"/>
-        </a:xfrm>
-      </p:grpSpPr>
-      <p:sp>
-        <p:nvSpPr>
-          <p:cNvPr id="2" name="Title 1"/>
-          <p:cNvSpPr>
-            <a:spLocks noGrp="1"/>
-          </p:cNvSpPr>
-          <p:nvPr>
-            <p:ph type="title"/>
-          </p:nvPr>
-        </p:nvSpPr>
-        <p:spPr/>
-        <p:txBody>
-          <a:bodyPr/>
-          <a:lstStyle/>
-          <a:p>
-            <a:r>
-              <a:rPr lang="en-US" dirty="0" smtClean="0"/>
-              <a:t>Increment </a:t>
-            </a:r>
-            <a:r>
-              <a:rPr lang="en-US" dirty="0"/>
-              <a:t>2 Deliverables</a:t>
-            </a:r>
-          </a:p>
-        </p:txBody>
-      </p:sp>
-      <p:sp>
-        <p:nvSpPr>
-          <p:cNvPr id="3" name="Content Placeholder 2"/>
-          <p:cNvSpPr>
-            <a:spLocks noGrp="1"/>
-          </p:cNvSpPr>
-          <p:nvPr>
-            <p:ph idx="1"/>
-          </p:nvPr>
-        </p:nvSpPr>
-        <p:spPr/>
-        <p:txBody>
-          <a:bodyPr/>
-          <a:lstStyle/>
-          <a:p>
-            <a:pPr marL="114300" indent="0">
-              <a:buNone/>
-            </a:pPr>
-            <a:endParaRPr lang="en-US" dirty="0" smtClean="0"/>
-          </a:p>
-          <a:p>
             <a:r>
               <a:rPr lang="en-US" dirty="0" smtClean="0"/>
               <a:t>Project Creation</a:t>
@@ -4655,7 +4066,7 @@
           <a:p>
             <a:fld id="{47DBC36D-8629-4A26-B3EA-358F99E6BE49}" type="slidenum">
               <a:rPr lang="en-US" smtClean="0"/>
-              <a:t>15</a:t>
+              <a:t>11</a:t>
             </a:fld>
             <a:endParaRPr lang="en-US"/>
           </a:p>
@@ -4674,133 +4085,10 @@
   <p:timing>
     <p:tnLst>
       <p:par>
-        <p:cTn xmlns:p14="http://schemas.microsoft.com/office/powerpoint/2010/main" id="1" dur="indefinite" restart="never" nodeType="tmRoot"/>
+        <p:cTn id="1" dur="indefinite" restart="never" nodeType="tmRoot"/>
       </p:par>
     </p:tnLst>
   </p:timing>
-</p:sld>
-</file>
-
-<file path=ppt/slides/slide16.xml><?xml version="1.0" encoding="utf-8"?>
-<p:sld xmlns:a="http://schemas.openxmlformats.org/drawingml/2006/main" xmlns:r="http://schemas.openxmlformats.org/officeDocument/2006/relationships" xmlns:p="http://schemas.openxmlformats.org/presentationml/2006/main">
-  <p:cSld>
-    <p:spTree>
-      <p:nvGrpSpPr>
-        <p:cNvPr id="1" name=""/>
-        <p:cNvGrpSpPr/>
-        <p:nvPr/>
-      </p:nvGrpSpPr>
-      <p:grpSpPr>
-        <a:xfrm>
-          <a:off x="0" y="0"/>
-          <a:ext cx="0" cy="0"/>
-          <a:chOff x="0" y="0"/>
-          <a:chExt cx="0" cy="0"/>
-        </a:xfrm>
-      </p:grpSpPr>
-      <p:sp>
-        <p:nvSpPr>
-          <p:cNvPr id="2" name="Title 1"/>
-          <p:cNvSpPr>
-            <a:spLocks noGrp="1"/>
-          </p:cNvSpPr>
-          <p:nvPr>
-            <p:ph type="title"/>
-          </p:nvPr>
-        </p:nvSpPr>
-        <p:spPr/>
-        <p:txBody>
-          <a:bodyPr/>
-          <a:lstStyle/>
-          <a:p>
-            <a:r>
-              <a:rPr lang="en-US" dirty="0" smtClean="0"/>
-              <a:t>Increment </a:t>
-            </a:r>
-            <a:r>
-              <a:rPr lang="en-US" dirty="0"/>
-              <a:t>3 Deliverables</a:t>
-            </a:r>
-          </a:p>
-        </p:txBody>
-      </p:sp>
-      <p:sp>
-        <p:nvSpPr>
-          <p:cNvPr id="3" name="Content Placeholder 2"/>
-          <p:cNvSpPr>
-            <a:spLocks noGrp="1"/>
-          </p:cNvSpPr>
-          <p:nvPr>
-            <p:ph idx="1"/>
-          </p:nvPr>
-        </p:nvSpPr>
-        <p:spPr/>
-        <p:txBody>
-          <a:bodyPr/>
-          <a:lstStyle/>
-          <a:p>
-            <a:r>
-              <a:rPr lang="en-US" dirty="0" smtClean="0"/>
-              <a:t>Reports</a:t>
-            </a:r>
-          </a:p>
-          <a:p>
-            <a:pPr lvl="1"/>
-            <a:r>
-              <a:rPr lang="en-US" dirty="0" smtClean="0"/>
-              <a:t>Design Layout</a:t>
-            </a:r>
-          </a:p>
-          <a:p>
-            <a:pPr lvl="1"/>
-            <a:r>
-              <a:rPr lang="en-US" dirty="0" smtClean="0"/>
-              <a:t>Implement SQL</a:t>
-            </a:r>
-          </a:p>
-          <a:p>
-            <a:pPr lvl="1"/>
-            <a:r>
-              <a:rPr lang="en-US" dirty="0" smtClean="0"/>
-              <a:t>Build Visualization</a:t>
-            </a:r>
-            <a:endParaRPr lang="en-US" dirty="0"/>
-          </a:p>
-        </p:txBody>
-      </p:sp>
-      <p:sp>
-        <p:nvSpPr>
-          <p:cNvPr id="4" name="Slide Number Placeholder 3"/>
-          <p:cNvSpPr>
-            <a:spLocks noGrp="1"/>
-          </p:cNvSpPr>
-          <p:nvPr>
-            <p:ph type="sldNum" sz="quarter" idx="12"/>
-          </p:nvPr>
-        </p:nvSpPr>
-        <p:spPr/>
-        <p:txBody>
-          <a:bodyPr/>
-          <a:lstStyle/>
-          <a:p>
-            <a:fld id="{47DBC36D-8629-4A26-B3EA-358F99E6BE49}" type="slidenum">
-              <a:rPr lang="en-US" smtClean="0"/>
-              <a:t>16</a:t>
-            </a:fld>
-            <a:endParaRPr lang="en-US"/>
-          </a:p>
-        </p:txBody>
-      </p:sp>
-    </p:spTree>
-    <p:extLst>
-      <p:ext uri="{BB962C8B-B14F-4D97-AF65-F5344CB8AC3E}">
-        <p14:creationId xmlns:p14="http://schemas.microsoft.com/office/powerpoint/2010/main" val="3947741904"/>
-      </p:ext>
-    </p:extLst>
-  </p:cSld>
-  <p:clrMapOvr>
-    <a:masterClrMapping/>
-  </p:clrMapOvr>
 </p:sld>
 </file>
 
@@ -4864,7 +4152,15 @@
             </a:pPr>
             <a:r>
               <a:rPr lang="en-US" dirty="0" smtClean="0"/>
-              <a:t>Create a cutting edge innovative project management software tool to allow small to medium sized companies to keep track of ongoing projects, employees, and costs. This tool shall allow the company to perform resource tracking, produce cost reports, and velocity tracking.  This system will be developed by a small agile team consisting of three hard working developers.</a:t>
+              <a:t>Create a </a:t>
+            </a:r>
+            <a:r>
+              <a:rPr lang="en-US" dirty="0" smtClean="0"/>
+              <a:t>project </a:t>
+            </a:r>
+            <a:r>
+              <a:rPr lang="en-US" dirty="0" smtClean="0"/>
+              <a:t>management software tool to allow small to medium sized companies to keep track of ongoing projects, employees, and costs. This tool shall allow the company to perform resource tracking, produce cost reports, and velocity tracking.  This system will be developed by a small agile team consisting of three hard working developers.</a:t>
             </a:r>
           </a:p>
           <a:p>
@@ -4911,7 +4207,7 @@
   <p:timing>
     <p:tnLst>
       <p:par>
-        <p:cTn xmlns:p14="http://schemas.microsoft.com/office/powerpoint/2010/main" id="1" dur="indefinite" restart="never" nodeType="tmRoot"/>
+        <p:cTn id="1" dur="indefinite" restart="never" nodeType="tmRoot"/>
       </p:par>
     </p:tnLst>
   </p:timing>
@@ -4942,7 +4238,7 @@
             <a:spLocks noGrp="1"/>
           </p:cNvSpPr>
           <p:nvPr>
-            <p:ph type="title"/>
+            <p:ph type="ctrTitle"/>
           </p:nvPr>
         </p:nvSpPr>
         <p:spPr/>
@@ -4952,69 +4248,43 @@
           <a:p>
             <a:r>
               <a:rPr lang="en-US" dirty="0" smtClean="0"/>
-              <a:t>Concept</a:t>
+              <a:t/>
+            </a:r>
+            <a:br>
+              <a:rPr lang="en-US" dirty="0" smtClean="0"/>
+            </a:br>
+            <a:r>
+              <a:rPr lang="en-US" dirty="0" smtClean="0"/>
+              <a:t>Project Plan</a:t>
             </a:r>
             <a:endParaRPr lang="en-US" dirty="0"/>
           </a:p>
         </p:txBody>
       </p:sp>
-      <p:pic>
-        <p:nvPicPr>
-          <p:cNvPr id="1026" name="Picture 2"/>
-          <p:cNvPicPr>
-            <a:picLocks noChangeAspect="1" noChangeArrowheads="1"/>
-          </p:cNvPicPr>
-          <p:nvPr/>
-        </p:nvPicPr>
-        <p:blipFill>
-          <a:blip r:embed="rId2">
-            <a:extLst>
-              <a:ext uri="{28A0092B-C50C-407E-A947-70E740481C1C}">
-                <a14:useLocalDpi xmlns:a14="http://schemas.microsoft.com/office/drawing/2010/main" val="0"/>
-              </a:ext>
-            </a:extLst>
-          </a:blip>
-          <a:srcRect/>
-          <a:stretch>
-            <a:fillRect/>
-          </a:stretch>
-        </p:blipFill>
-        <p:spPr bwMode="auto">
-          <a:xfrm>
-            <a:off x="0" y="1828800"/>
-            <a:ext cx="8458918" cy="3571875"/>
-          </a:xfrm>
-          <a:prstGeom prst="rect">
-            <a:avLst/>
-          </a:prstGeom>
-          <a:noFill/>
-          <a:ln>
-            <a:noFill/>
-          </a:ln>
-          <a:extLst>
-            <a:ext uri="{909E8E84-426E-40dd-AFC4-6F175D3DCCD1}">
-              <a14:hiddenFill xmlns:a14="http://schemas.microsoft.com/office/drawing/2010/main">
-                <a:solidFill>
-                  <a:schemeClr val="accent1"/>
-                </a:solidFill>
-              </a14:hiddenFill>
-            </a:ext>
-            <a:ext uri="{91240B29-F687-4f45-9708-019B960494DF}">
-              <a14:hiddenLine xmlns:a14="http://schemas.microsoft.com/office/drawing/2010/main" w="9525">
-                <a:solidFill>
-                  <a:schemeClr val="tx1"/>
-                </a:solidFill>
-                <a:miter lim="800000"/>
-                <a:headEnd/>
-                <a:tailEnd/>
-              </a14:hiddenLine>
-            </a:ext>
-          </a:extLst>
-        </p:spPr>
-      </p:pic>
-      <p:sp>
-        <p:nvSpPr>
-          <p:cNvPr id="3" name="Slide Number Placeholder 2"/>
+      <p:sp>
+        <p:nvSpPr>
+          <p:cNvPr id="3" name="Subtitle 2"/>
+          <p:cNvSpPr>
+            <a:spLocks noGrp="1"/>
+          </p:cNvSpPr>
+          <p:nvPr>
+            <p:ph type="subTitle" idx="1"/>
+          </p:nvPr>
+        </p:nvSpPr>
+        <p:spPr/>
+        <p:txBody>
+          <a:bodyPr>
+            <a:normAutofit/>
+          </a:bodyPr>
+          <a:lstStyle/>
+          <a:p>
+            <a:endParaRPr lang="en-US" dirty="0"/>
+          </a:p>
+        </p:txBody>
+      </p:sp>
+      <p:sp>
+        <p:nvSpPr>
+          <p:cNvPr id="4" name="Slide Number Placeholder 3"/>
           <p:cNvSpPr>
             <a:spLocks noGrp="1"/>
           </p:cNvSpPr>
@@ -5038,7 +4308,7 @@
     </p:spTree>
     <p:extLst>
       <p:ext uri="{BB962C8B-B14F-4D97-AF65-F5344CB8AC3E}">
-        <p14:creationId xmlns:p14="http://schemas.microsoft.com/office/powerpoint/2010/main" val="3239462083"/>
+        <p14:creationId xmlns:p14="http://schemas.microsoft.com/office/powerpoint/2010/main" val="48980833"/>
       </p:ext>
     </p:extLst>
   </p:cSld>
@@ -5048,7 +4318,7 @@
   <p:timing>
     <p:tnLst>
       <p:par>
-        <p:cTn xmlns:p14="http://schemas.microsoft.com/office/powerpoint/2010/main" id="1" dur="indefinite" restart="never" nodeType="tmRoot"/>
+        <p:cTn id="1" dur="indefinite" restart="never" nodeType="tmRoot"/>
       </p:par>
     </p:tnLst>
   </p:timing>
@@ -5089,7 +4359,7 @@
           <a:p>
             <a:r>
               <a:rPr lang="en-US" dirty="0" smtClean="0"/>
-              <a:t>Competitors</a:t>
+              <a:t>Increment 1 Deliverables</a:t>
             </a:r>
             <a:endParaRPr lang="en-US" dirty="0"/>
           </a:p>
@@ -5112,41 +4382,78 @@
           <a:p>
             <a:r>
               <a:rPr lang="en-US" dirty="0" smtClean="0"/>
-              <a:t>Microsoft Project</a:t>
-            </a:r>
-          </a:p>
-          <a:p>
+              <a:t>Database </a:t>
+            </a:r>
             <a:r>
               <a:rPr lang="en-US" dirty="0" smtClean="0"/>
-              <a:t>Green Hoper</a:t>
+              <a:t>Design</a:t>
             </a:r>
           </a:p>
           <a:p>
             <a:r>
               <a:rPr lang="en-US" dirty="0" smtClean="0"/>
-              <a:t>Excel</a:t>
-            </a:r>
-          </a:p>
-          <a:p>
-            <a:r>
-              <a:rPr lang="en-US" dirty="0" err="1" smtClean="0"/>
-              <a:t>Agilefant</a:t>
+              <a:t>User Creation</a:t>
+            </a:r>
+          </a:p>
+          <a:p>
+            <a:r>
+              <a:rPr lang="en-US" dirty="0"/>
+              <a:t>User </a:t>
+            </a:r>
+            <a:r>
+              <a:rPr lang="en-US" dirty="0" smtClean="0"/>
+              <a:t>Management</a:t>
             </a:r>
             <a:endParaRPr lang="en-US" dirty="0" smtClean="0"/>
           </a:p>
           <a:p>
             <a:r>
-              <a:rPr lang="en-US" dirty="0" err="1" smtClean="0"/>
-              <a:t>VersionOne</a:t>
-            </a:r>
+              <a:rPr lang="en-US" dirty="0" smtClean="0"/>
+              <a:t>Login</a:t>
+            </a:r>
+          </a:p>
+          <a:p>
+            <a:r>
+              <a:rPr lang="en-US" dirty="0" smtClean="0"/>
+              <a:t>Role Creation</a:t>
+            </a:r>
+          </a:p>
+          <a:p>
+            <a:r>
+              <a:rPr lang="en-US" dirty="0" smtClean="0"/>
+              <a:t>Role </a:t>
+            </a:r>
+            <a:r>
+              <a:rPr lang="en-US" dirty="0" smtClean="0"/>
+              <a:t>Management </a:t>
+            </a:r>
+          </a:p>
+          <a:p>
+            <a:r>
+              <a:rPr lang="en-US" dirty="0" smtClean="0"/>
+              <a:t>Compa</a:t>
+            </a:r>
+            <a:r>
+              <a:rPr lang="en-US" dirty="0" smtClean="0"/>
+              <a:t>ny</a:t>
+            </a:r>
+            <a:r>
+              <a:rPr lang="en-US" dirty="0" smtClean="0"/>
+              <a:t> Properties</a:t>
+            </a:r>
+          </a:p>
+          <a:p>
+            <a:r>
+              <a:rPr lang="en-US" dirty="0" smtClean="0"/>
+              <a:t>Rough </a:t>
+            </a:r>
+            <a:r>
+              <a:rPr lang="en-US" dirty="0"/>
+              <a:t>Interface</a:t>
+            </a:r>
+          </a:p>
+          <a:p>
             <a:endParaRPr lang="en-US" dirty="0" smtClean="0"/>
-          </a:p>
-          <a:p>
-            <a:r>
-              <a:rPr lang="en-US" dirty="0" smtClean="0"/>
-              <a:t>Open Workbench </a:t>
-            </a:r>
-            <a:endParaRPr lang="en-US" dirty="0"/>
           </a:p>
         </p:txBody>
       </p:sp>
@@ -5176,7 +4483,7 @@
     </p:spTree>
     <p:extLst>
       <p:ext uri="{BB962C8B-B14F-4D97-AF65-F5344CB8AC3E}">
-        <p14:creationId xmlns:p14="http://schemas.microsoft.com/office/powerpoint/2010/main" val="805715034"/>
+        <p14:creationId xmlns:p14="http://schemas.microsoft.com/office/powerpoint/2010/main" val="4085086854"/>
       </p:ext>
     </p:extLst>
   </p:cSld>
@@ -5186,7 +4493,7 @@
   <p:timing>
     <p:tnLst>
       <p:par>
-        <p:cTn xmlns:p14="http://schemas.microsoft.com/office/powerpoint/2010/main" id="1" dur="indefinite" restart="never" nodeType="tmRoot"/>
+        <p:cTn id="1" dur="indefinite" restart="never" nodeType="tmRoot"/>
       </p:par>
     </p:tnLst>
   </p:timing>
@@ -5226,111 +4533,15 @@
           <a:lstStyle/>
           <a:p>
             <a:r>
-              <a:rPr lang="en-US" dirty="0" smtClean="0"/>
-              <a:t>Features</a:t>
-            </a:r>
-            <a:endParaRPr lang="en-US" dirty="0"/>
-          </a:p>
-        </p:txBody>
-      </p:sp>
-      <p:sp>
-        <p:nvSpPr>
-          <p:cNvPr id="3" name="Content Placeholder 2"/>
-          <p:cNvSpPr>
-            <a:spLocks noGrp="1"/>
-          </p:cNvSpPr>
-          <p:nvPr>
-            <p:ph idx="1"/>
-          </p:nvPr>
-        </p:nvSpPr>
-        <p:spPr/>
-        <p:txBody>
-          <a:bodyPr/>
-          <a:lstStyle/>
-          <a:p>
-            <a:r>
-              <a:rPr lang="en-US" dirty="0" smtClean="0"/>
-              <a:t>Multiple projects</a:t>
-            </a:r>
-          </a:p>
-          <a:p>
-            <a:r>
-              <a:rPr lang="en-US" dirty="0" smtClean="0"/>
-              <a:t>Tracking</a:t>
-            </a:r>
-          </a:p>
-          <a:p>
-            <a:pPr marL="411480" lvl="1" indent="0">
-              <a:buNone/>
-            </a:pPr>
-            <a:r>
-              <a:rPr lang="en-US" dirty="0" smtClean="0"/>
-              <a:t>	Cost</a:t>
-            </a:r>
-          </a:p>
-          <a:p>
-            <a:pPr marL="411480" lvl="1" indent="0">
-              <a:buNone/>
-            </a:pPr>
-            <a:r>
-              <a:rPr lang="en-US" dirty="0" smtClean="0"/>
-              <a:t>	Hours</a:t>
-            </a:r>
-          </a:p>
-          <a:p>
-            <a:pPr marL="411480" lvl="1" indent="0">
-              <a:buNone/>
-            </a:pPr>
-            <a:r>
-              <a:rPr lang="en-US" dirty="0" smtClean="0"/>
-              <a:t>	Velocity (Sprint Management)</a:t>
-            </a:r>
-          </a:p>
-          <a:p>
-            <a:pPr marL="411480" lvl="1" indent="0">
-              <a:buNone/>
-            </a:pPr>
-            <a:r>
               <a:rPr lang="en-US" dirty="0"/>
-              <a:t>	</a:t>
-            </a:r>
-            <a:r>
-              <a:rPr lang="en-US" dirty="0" smtClean="0"/>
-              <a:t>Employees</a:t>
-            </a:r>
-          </a:p>
-          <a:p>
-            <a:pPr marL="342900" lvl="1">
-              <a:buClr>
-                <a:schemeClr val="accent1"/>
-              </a:buClr>
-            </a:pPr>
-            <a:r>
-              <a:rPr lang="en-US" sz="2200" dirty="0"/>
-              <a:t>Aggregate Reporting across multiple projects</a:t>
-            </a:r>
-          </a:p>
-          <a:p>
-            <a:pPr marL="411480" lvl="1" indent="0">
-              <a:buNone/>
-            </a:pPr>
-            <a:r>
-              <a:rPr lang="en-US" dirty="0"/>
-              <a:t>	</a:t>
-            </a:r>
-            <a:endParaRPr lang="en-US" dirty="0" smtClean="0"/>
-          </a:p>
-          <a:p>
-            <a:pPr marL="411480" lvl="1" indent="0">
-              <a:buNone/>
-            </a:pPr>
-            <a:endParaRPr lang="en-US" dirty="0"/>
-          </a:p>
-        </p:txBody>
-      </p:sp>
-      <p:sp>
-        <p:nvSpPr>
-          <p:cNvPr id="4" name="Slide Number Placeholder 3"/>
+              <a:t>Database Design</a:t>
+            </a:r>
+          </a:p>
+        </p:txBody>
+      </p:sp>
+      <p:sp>
+        <p:nvSpPr>
+          <p:cNvPr id="3" name="Slide Number Placeholder 2"/>
           <p:cNvSpPr>
             <a:spLocks noGrp="1"/>
           </p:cNvSpPr>
@@ -5351,10 +4562,74 @@
           </a:p>
         </p:txBody>
       </p:sp>
+      <p:pic>
+        <p:nvPicPr>
+          <p:cNvPr id="4" name="Picture 2"/>
+          <p:cNvPicPr>
+            <a:picLocks noChangeAspect="1" noChangeArrowheads="1"/>
+          </p:cNvPicPr>
+          <p:nvPr/>
+        </p:nvPicPr>
+        <p:blipFill>
+          <a:blip r:embed="rId2">
+            <a:extLst>
+              <a:ext uri="{28A0092B-C50C-407E-A947-70E740481C1C}">
+                <a14:useLocalDpi xmlns:a14="http://schemas.microsoft.com/office/drawing/2010/main" val="0"/>
+              </a:ext>
+            </a:extLst>
+          </a:blip>
+          <a:srcRect/>
+          <a:stretch>
+            <a:fillRect/>
+          </a:stretch>
+        </p:blipFill>
+        <p:spPr bwMode="auto">
+          <a:xfrm>
+            <a:off x="-76200" y="1295400"/>
+            <a:ext cx="8610600" cy="5638800"/>
+          </a:xfrm>
+          <a:prstGeom prst="rect">
+            <a:avLst/>
+          </a:prstGeom>
+          <a:noFill/>
+          <a:ln>
+            <a:noFill/>
+          </a:ln>
+          <a:effectLst/>
+          <a:extLst>
+            <a:ext uri="{909E8E84-426E-40DD-AFC4-6F175D3DCCD1}">
+              <a14:hiddenFill xmlns:a14="http://schemas.microsoft.com/office/drawing/2010/main">
+                <a:solidFill>
+                  <a:schemeClr val="accent1"/>
+                </a:solidFill>
+              </a14:hiddenFill>
+            </a:ext>
+            <a:ext uri="{91240B29-F687-4F45-9708-019B960494DF}">
+              <a14:hiddenLine xmlns:a14="http://schemas.microsoft.com/office/drawing/2010/main" w="9525">
+                <a:solidFill>
+                  <a:schemeClr val="tx1"/>
+                </a:solidFill>
+                <a:miter lim="800000"/>
+                <a:headEnd/>
+                <a:tailEnd/>
+              </a14:hiddenLine>
+            </a:ext>
+            <a:ext uri="{AF507438-7753-43E0-B8FC-AC1667EBCBE1}">
+              <a14:hiddenEffects xmlns:a14="http://schemas.microsoft.com/office/drawing/2010/main">
+                <a:effectLst>
+                  <a:outerShdw dist="35921" dir="2700000" algn="ctr" rotWithShape="0">
+                    <a:schemeClr val="bg2"/>
+                  </a:outerShdw>
+                </a:effectLst>
+              </a14:hiddenEffects>
+            </a:ext>
+          </a:extLst>
+        </p:spPr>
+      </p:pic>
     </p:spTree>
     <p:extLst>
       <p:ext uri="{BB962C8B-B14F-4D97-AF65-F5344CB8AC3E}">
-        <p14:creationId xmlns:p14="http://schemas.microsoft.com/office/powerpoint/2010/main" val="944435155"/>
+        <p14:creationId xmlns:p14="http://schemas.microsoft.com/office/powerpoint/2010/main" val="3239462083"/>
       </p:ext>
     </p:extLst>
   </p:cSld>
@@ -5364,7 +4639,7 @@
   <p:timing>
     <p:tnLst>
       <p:par>
-        <p:cTn xmlns:p14="http://schemas.microsoft.com/office/powerpoint/2010/main" id="1" dur="indefinite" restart="never" nodeType="tmRoot"/>
+        <p:cTn id="1" dur="indefinite" restart="never" nodeType="tmRoot"/>
       </p:par>
     </p:tnLst>
   </p:timing>
@@ -5405,58 +4680,11 @@
           <a:p>
             <a:r>
               <a:rPr lang="en-US" dirty="0" smtClean="0"/>
-              <a:t>The Difference</a:t>
-            </a:r>
-            <a:endParaRPr lang="en-US" dirty="0"/>
-          </a:p>
-        </p:txBody>
-      </p:sp>
-      <p:sp>
-        <p:nvSpPr>
-          <p:cNvPr id="3" name="Content Placeholder 2"/>
-          <p:cNvSpPr>
-            <a:spLocks noGrp="1"/>
-          </p:cNvSpPr>
-          <p:nvPr>
-            <p:ph idx="1"/>
-          </p:nvPr>
-        </p:nvSpPr>
-        <p:spPr/>
-        <p:txBody>
-          <a:bodyPr/>
-          <a:lstStyle/>
-          <a:p>
-            <a:r>
-              <a:rPr lang="en-US" dirty="0" smtClean="0"/>
-              <a:t>Unlike most popular project management tools suck as MS Project and Open Workbench</a:t>
-            </a:r>
-          </a:p>
-          <a:p>
-            <a:pPr lvl="1"/>
-            <a:r>
-              <a:rPr lang="en-US" dirty="0" smtClean="0"/>
-              <a:t>Easy to use</a:t>
-            </a:r>
-          </a:p>
-          <a:p>
-            <a:pPr lvl="1"/>
-            <a:r>
-              <a:rPr lang="en-US" dirty="0" smtClean="0"/>
-              <a:t>Made for small to medium sized companies</a:t>
-            </a:r>
-          </a:p>
-          <a:p>
-            <a:pPr lvl="1"/>
-            <a:r>
-              <a:rPr lang="en-US" dirty="0" smtClean="0"/>
-              <a:t>Core functionality without all the fluff</a:t>
-            </a:r>
-          </a:p>
-          <a:p>
-            <a:pPr lvl="1"/>
-            <a:r>
-              <a:rPr lang="en-US" dirty="0" smtClean="0"/>
-              <a:t>Simple Reports Preconfigured</a:t>
+              <a:t>Employee Setup and </a:t>
+            </a:r>
+            <a:r>
+              <a:rPr lang="en-US" dirty="0" err="1" smtClean="0"/>
+              <a:t>Maintainence</a:t>
             </a:r>
             <a:endParaRPr lang="en-US" dirty="0"/>
           </a:p>
@@ -5485,16 +4713,89 @@
           </a:p>
         </p:txBody>
       </p:sp>
+      <p:pic>
+        <p:nvPicPr>
+          <p:cNvPr id="2050" name="Picture 2"/>
+          <p:cNvPicPr>
+            <a:picLocks noGrp="1" noChangeAspect="1" noChangeArrowheads="1"/>
+          </p:cNvPicPr>
+          <p:nvPr>
+            <p:ph idx="1"/>
+          </p:nvPr>
+        </p:nvPicPr>
+        <p:blipFill>
+          <a:blip r:embed="rId2">
+            <a:extLst>
+              <a:ext uri="{28A0092B-C50C-407E-A947-70E740481C1C}">
+                <a14:useLocalDpi xmlns:a14="http://schemas.microsoft.com/office/drawing/2010/main" val="0"/>
+              </a:ext>
+            </a:extLst>
+          </a:blip>
+          <a:srcRect/>
+          <a:stretch>
+            <a:fillRect/>
+          </a:stretch>
+        </p:blipFill>
+        <p:spPr bwMode="auto">
+          <a:xfrm>
+            <a:off x="152400" y="685800"/>
+            <a:ext cx="7162800" cy="6172200"/>
+          </a:xfrm>
+          <a:prstGeom prst="rect">
+            <a:avLst/>
+          </a:prstGeom>
+          <a:noFill/>
+          <a:ln>
+            <a:noFill/>
+          </a:ln>
+          <a:effectLst/>
+          <a:extLst>
+            <a:ext uri="{909E8E84-426E-40DD-AFC4-6F175D3DCCD1}">
+              <a14:hiddenFill xmlns:a14="http://schemas.microsoft.com/office/drawing/2010/main">
+                <a:solidFill>
+                  <a:schemeClr val="accent1"/>
+                </a:solidFill>
+              </a14:hiddenFill>
+            </a:ext>
+            <a:ext uri="{91240B29-F687-4F45-9708-019B960494DF}">
+              <a14:hiddenLine xmlns:a14="http://schemas.microsoft.com/office/drawing/2010/main" w="9525">
+                <a:solidFill>
+                  <a:schemeClr val="tx1"/>
+                </a:solidFill>
+                <a:miter lim="800000"/>
+                <a:headEnd/>
+                <a:tailEnd/>
+              </a14:hiddenLine>
+            </a:ext>
+            <a:ext uri="{AF507438-7753-43E0-B8FC-AC1667EBCBE1}">
+              <a14:hiddenEffects xmlns:a14="http://schemas.microsoft.com/office/drawing/2010/main">
+                <a:effectLst>
+                  <a:outerShdw dist="35921" dir="2700000" algn="ctr" rotWithShape="0">
+                    <a:schemeClr val="bg2"/>
+                  </a:outerShdw>
+                </a:effectLst>
+              </a14:hiddenEffects>
+            </a:ext>
+          </a:extLst>
+        </p:spPr>
+      </p:pic>
     </p:spTree>
     <p:extLst>
       <p:ext uri="{BB962C8B-B14F-4D97-AF65-F5344CB8AC3E}">
-        <p14:creationId xmlns:p14="http://schemas.microsoft.com/office/powerpoint/2010/main" val="213521792"/>
+        <p14:creationId xmlns:p14="http://schemas.microsoft.com/office/powerpoint/2010/main" val="805715034"/>
       </p:ext>
     </p:extLst>
   </p:cSld>
   <p:clrMapOvr>
     <a:masterClrMapping/>
   </p:clrMapOvr>
+  <p:timing>
+    <p:tnLst>
+      <p:par>
+        <p:cTn id="1" dur="indefinite" restart="never" nodeType="tmRoot"/>
+      </p:par>
+    </p:tnLst>
+  </p:timing>
 </p:sld>
 </file>
 
@@ -5532,54 +4833,7 @@
           <a:p>
             <a:r>
               <a:rPr lang="en-US" dirty="0" smtClean="0"/>
-              <a:t>Risks</a:t>
-            </a:r>
-            <a:endParaRPr lang="en-US" dirty="0"/>
-          </a:p>
-        </p:txBody>
-      </p:sp>
-      <p:sp>
-        <p:nvSpPr>
-          <p:cNvPr id="3" name="Content Placeholder 2"/>
-          <p:cNvSpPr>
-            <a:spLocks noGrp="1"/>
-          </p:cNvSpPr>
-          <p:nvPr>
-            <p:ph idx="1"/>
-          </p:nvPr>
-        </p:nvSpPr>
-        <p:spPr/>
-        <p:txBody>
-          <a:bodyPr/>
-          <a:lstStyle/>
-          <a:p>
-            <a:r>
-              <a:rPr lang="en-US" dirty="0" smtClean="0"/>
-              <a:t>Complicated Charting</a:t>
-            </a:r>
-          </a:p>
-          <a:p>
-            <a:r>
-              <a:rPr lang="en-US" dirty="0" smtClean="0"/>
-              <a:t>Small Team</a:t>
-            </a:r>
-          </a:p>
-          <a:p>
-            <a:r>
-              <a:rPr lang="en-US" dirty="0" smtClean="0"/>
-              <a:t>Limited Time</a:t>
-            </a:r>
-          </a:p>
-          <a:p>
-            <a:r>
-              <a:rPr lang="en-US" dirty="0" smtClean="0"/>
-              <a:t>Many competing projects</a:t>
-            </a:r>
-          </a:p>
-          <a:p>
-            <a:r>
-              <a:rPr lang="en-US" dirty="0" smtClean="0"/>
-              <a:t>Limited experience with technology stack</a:t>
+              <a:t>Login</a:t>
             </a:r>
             <a:endParaRPr lang="en-US" dirty="0"/>
           </a:p>
@@ -5608,10 +4862,76 @@
           </a:p>
         </p:txBody>
       </p:sp>
+      <p:pic>
+        <p:nvPicPr>
+          <p:cNvPr id="3074" name="Picture 2"/>
+          <p:cNvPicPr>
+            <a:picLocks noGrp="1" noChangeAspect="1" noChangeArrowheads="1"/>
+          </p:cNvPicPr>
+          <p:nvPr>
+            <p:ph idx="1"/>
+          </p:nvPr>
+        </p:nvPicPr>
+        <p:blipFill>
+          <a:blip r:embed="rId2">
+            <a:extLst>
+              <a:ext uri="{28A0092B-C50C-407E-A947-70E740481C1C}">
+                <a14:useLocalDpi xmlns:a14="http://schemas.microsoft.com/office/drawing/2010/main" val="0"/>
+              </a:ext>
+            </a:extLst>
+          </a:blip>
+          <a:srcRect/>
+          <a:stretch>
+            <a:fillRect/>
+          </a:stretch>
+        </p:blipFill>
+        <p:spPr bwMode="auto">
+          <a:xfrm>
+            <a:off x="228600" y="1639764"/>
+            <a:ext cx="8121509" cy="5036936"/>
+          </a:xfrm>
+          <a:prstGeom prst="rect">
+            <a:avLst/>
+          </a:prstGeom>
+          <a:noFill/>
+          <a:ln>
+            <a:noFill/>
+          </a:ln>
+          <a:effectLst/>
+          <a:extLst>
+            <a:ext uri="{909E8E84-426E-40DD-AFC4-6F175D3DCCD1}">
+              <a14:hiddenFill xmlns:a14="http://schemas.microsoft.com/office/drawing/2010/main">
+                <a:solidFill>
+                  <a:schemeClr val="accent1"/>
+                </a:solidFill>
+              </a14:hiddenFill>
+            </a:ext>
+            <a:ext uri="{91240B29-F687-4F45-9708-019B960494DF}">
+              <a14:hiddenLine xmlns:a14="http://schemas.microsoft.com/office/drawing/2010/main" w="9525">
+                <a:solidFill>
+                  <a:schemeClr val="tx1"/>
+                </a:solidFill>
+                <a:miter lim="800000"/>
+                <a:headEnd/>
+                <a:tailEnd/>
+              </a14:hiddenLine>
+            </a:ext>
+            <a:ext uri="{AF507438-7753-43E0-B8FC-AC1667EBCBE1}">
+              <a14:hiddenEffects xmlns:a14="http://schemas.microsoft.com/office/drawing/2010/main">
+                <a:effectLst>
+                  <a:outerShdw dist="35921" dir="2700000" algn="ctr" rotWithShape="0">
+                    <a:schemeClr val="bg2"/>
+                  </a:outerShdw>
+                </a:effectLst>
+              </a14:hiddenEffects>
+            </a:ext>
+          </a:extLst>
+        </p:spPr>
+      </p:pic>
     </p:spTree>
     <p:extLst>
       <p:ext uri="{BB962C8B-B14F-4D97-AF65-F5344CB8AC3E}">
-        <p14:creationId xmlns:p14="http://schemas.microsoft.com/office/powerpoint/2010/main" val="98053044"/>
+        <p14:creationId xmlns:p14="http://schemas.microsoft.com/office/powerpoint/2010/main" val="944435155"/>
       </p:ext>
     </p:extLst>
   </p:cSld>
@@ -5621,7 +4941,7 @@
   <p:timing>
     <p:tnLst>
       <p:par>
-        <p:cTn xmlns:p14="http://schemas.microsoft.com/office/powerpoint/2010/main" id="1" dur="indefinite" restart="never" nodeType="tmRoot"/>
+        <p:cTn id="1" dur="indefinite" restart="never" nodeType="tmRoot"/>
       </p:par>
     </p:tnLst>
   </p:timing>
@@ -5652,7 +4972,7 @@
             <a:spLocks noGrp="1"/>
           </p:cNvSpPr>
           <p:nvPr>
-            <p:ph type="ctrTitle"/>
+            <p:ph type="title"/>
           </p:nvPr>
         </p:nvSpPr>
         <p:spPr/>
@@ -5662,36 +4982,12 @@
           <a:p>
             <a:r>
               <a:rPr lang="en-US" dirty="0" smtClean="0"/>
-              <a:t/>
-            </a:r>
-            <a:br>
+              <a:t>Role</a:t>
+            </a:r>
+            <a:r>
               <a:rPr lang="en-US" dirty="0" smtClean="0"/>
-            </a:br>
-            <a:r>
-              <a:rPr lang="en-US" dirty="0" smtClean="0"/>
-              <a:t>Project Plan</a:t>
-            </a:r>
-            <a:endParaRPr lang="en-US" dirty="0"/>
-          </a:p>
-        </p:txBody>
-      </p:sp>
-      <p:sp>
-        <p:nvSpPr>
-          <p:cNvPr id="3" name="Subtitle 2"/>
-          <p:cNvSpPr>
-            <a:spLocks noGrp="1"/>
-          </p:cNvSpPr>
-          <p:nvPr>
-            <p:ph type="subTitle" idx="1"/>
-          </p:nvPr>
-        </p:nvSpPr>
-        <p:spPr/>
-        <p:txBody>
-          <a:bodyPr>
-            <a:normAutofit/>
-          </a:bodyPr>
-          <a:lstStyle/>
-          <a:p>
+              <a:t> Management</a:t>
+            </a:r>
             <a:endParaRPr lang="en-US" dirty="0"/>
           </a:p>
         </p:txBody>
@@ -5719,10 +5015,76 @@
           </a:p>
         </p:txBody>
       </p:sp>
+      <p:pic>
+        <p:nvPicPr>
+          <p:cNvPr id="4098" name="Picture 2"/>
+          <p:cNvPicPr>
+            <a:picLocks noGrp="1" noChangeAspect="1" noChangeArrowheads="1"/>
+          </p:cNvPicPr>
+          <p:nvPr>
+            <p:ph idx="1"/>
+          </p:nvPr>
+        </p:nvPicPr>
+        <p:blipFill>
+          <a:blip r:embed="rId2">
+            <a:extLst>
+              <a:ext uri="{28A0092B-C50C-407E-A947-70E740481C1C}">
+                <a14:useLocalDpi xmlns:a14="http://schemas.microsoft.com/office/drawing/2010/main" val="0"/>
+              </a:ext>
+            </a:extLst>
+          </a:blip>
+          <a:srcRect/>
+          <a:stretch>
+            <a:fillRect/>
+          </a:stretch>
+        </p:blipFill>
+        <p:spPr bwMode="auto">
+          <a:xfrm>
+            <a:off x="152400" y="1828800"/>
+            <a:ext cx="8146163" cy="4495800"/>
+          </a:xfrm>
+          <a:prstGeom prst="rect">
+            <a:avLst/>
+          </a:prstGeom>
+          <a:noFill/>
+          <a:ln>
+            <a:noFill/>
+          </a:ln>
+          <a:effectLst/>
+          <a:extLst>
+            <a:ext uri="{909E8E84-426E-40DD-AFC4-6F175D3DCCD1}">
+              <a14:hiddenFill xmlns:a14="http://schemas.microsoft.com/office/drawing/2010/main">
+                <a:solidFill>
+                  <a:schemeClr val="accent1"/>
+                </a:solidFill>
+              </a14:hiddenFill>
+            </a:ext>
+            <a:ext uri="{91240B29-F687-4F45-9708-019B960494DF}">
+              <a14:hiddenLine xmlns:a14="http://schemas.microsoft.com/office/drawing/2010/main" w="9525">
+                <a:solidFill>
+                  <a:schemeClr val="tx1"/>
+                </a:solidFill>
+                <a:miter lim="800000"/>
+                <a:headEnd/>
+                <a:tailEnd/>
+              </a14:hiddenLine>
+            </a:ext>
+            <a:ext uri="{AF507438-7753-43E0-B8FC-AC1667EBCBE1}">
+              <a14:hiddenEffects xmlns:a14="http://schemas.microsoft.com/office/drawing/2010/main">
+                <a:effectLst>
+                  <a:outerShdw dist="35921" dir="2700000" algn="ctr" rotWithShape="0">
+                    <a:schemeClr val="bg2"/>
+                  </a:outerShdw>
+                </a:effectLst>
+              </a14:hiddenEffects>
+            </a:ext>
+          </a:extLst>
+        </p:spPr>
+      </p:pic>
     </p:spTree>
     <p:extLst>
       <p:ext uri="{BB962C8B-B14F-4D97-AF65-F5344CB8AC3E}">
-        <p14:creationId xmlns:p14="http://schemas.microsoft.com/office/powerpoint/2010/main" val="48980833"/>
+        <p14:creationId xmlns:p14="http://schemas.microsoft.com/office/powerpoint/2010/main" val="213521792"/>
       </p:ext>
     </p:extLst>
   </p:cSld>
@@ -5732,7 +5094,7 @@
   <p:timing>
     <p:tnLst>
       <p:par>
-        <p:cTn xmlns:p14="http://schemas.microsoft.com/office/powerpoint/2010/main" id="1" dur="indefinite" restart="never" nodeType="tmRoot"/>
+        <p:cTn id="1" dur="indefinite" restart="never" nodeType="tmRoot"/>
       </p:par>
     </p:tnLst>
   </p:timing>
@@ -5773,7 +5135,7 @@
           <a:p>
             <a:r>
               <a:rPr lang="en-US" dirty="0" smtClean="0"/>
-              <a:t>Outline</a:t>
+              <a:t>Company Properties</a:t>
             </a:r>
             <a:endParaRPr lang="en-US" dirty="0"/>
           </a:p>
@@ -5794,37 +5156,20 @@
           <a:bodyPr/>
           <a:lstStyle/>
           <a:p>
+            <a:r>
+              <a:rPr lang="en-US" dirty="0" smtClean="0"/>
+              <a:t>?</a:t>
+            </a:r>
+            <a:endParaRPr lang="en-US" dirty="0" smtClean="0"/>
+          </a:p>
+          <a:p>
+            <a:endParaRPr lang="en-US" dirty="0" smtClean="0"/>
+          </a:p>
+          <a:p>
             <a:pPr marL="114300" indent="0">
               <a:buNone/>
             </a:pPr>
-            <a:r>
-              <a:rPr lang="en-US" dirty="0" smtClean="0"/>
-              <a:t>The project will be developed using staged delivery, which will be broken down into three increments at each producing a functioning prototype.</a:t>
-            </a:r>
-          </a:p>
-          <a:p>
-            <a:pPr marL="114300" indent="0">
-              <a:buNone/>
-            </a:pPr>
-            <a:endParaRPr lang="en-US" dirty="0"/>
-          </a:p>
-          <a:p>
-            <a:pPr marL="114300" indent="0">
-              <a:buNone/>
-            </a:pPr>
-            <a:r>
-              <a:rPr lang="en-US" dirty="0" smtClean="0"/>
-              <a:t>Three Man Team </a:t>
-            </a:r>
-          </a:p>
-          <a:p>
-            <a:pPr marL="114300" indent="0">
-              <a:buNone/>
-            </a:pPr>
-            <a:r>
-              <a:rPr lang="en-US" dirty="0" smtClean="0"/>
-              <a:t>Three Month Duration</a:t>
-            </a:r>
+            <a:endParaRPr lang="en-US" dirty="0" smtClean="0"/>
           </a:p>
           <a:p>
             <a:pPr marL="114300" indent="0">
@@ -5866,7 +5211,7 @@
     </p:spTree>
     <p:extLst>
       <p:ext uri="{BB962C8B-B14F-4D97-AF65-F5344CB8AC3E}">
-        <p14:creationId xmlns:p14="http://schemas.microsoft.com/office/powerpoint/2010/main" val="1858225908"/>
+        <p14:creationId xmlns:p14="http://schemas.microsoft.com/office/powerpoint/2010/main" val="1237457766"/>
       </p:ext>
     </p:extLst>
   </p:cSld>
@@ -5876,7 +5221,7 @@
   <p:timing>
     <p:tnLst>
       <p:par>
-        <p:cTn xmlns:p14="http://schemas.microsoft.com/office/powerpoint/2010/main" id="1" dur="indefinite" restart="never" nodeType="tmRoot"/>
+        <p:cTn id="1" dur="indefinite" restart="never" nodeType="tmRoot"/>
       </p:par>
     </p:tnLst>
   </p:timing>

--- a/Project Plan/Team 3 Vision and Proejct Plan.pptx
+++ b/Project Plan/Team 3 Vision and Proejct Plan.pptx
@@ -205,7 +205,7 @@
           <a:p>
             <a:fld id="{B8A304AA-2D58-F447-8E23-649D73DC13B5}" type="datetimeFigureOut">
               <a:rPr lang="en-US" smtClean="0"/>
-              <a:t>10/5/2013</a:t>
+              <a:t>10/6/2013</a:t>
             </a:fld>
             <a:endParaRPr lang="en-US"/>
           </a:p>
@@ -371,7 +371,7 @@
           <a:p>
             <a:fld id="{FAD43DC9-2C55-C344-8A96-C6C167460FA1}" type="datetimeFigureOut">
               <a:rPr lang="en-US" smtClean="0"/>
-              <a:t>10/5/2013</a:t>
+              <a:t>10/6/2013</a:t>
             </a:fld>
             <a:endParaRPr lang="en-US"/>
           </a:p>
@@ -834,7 +834,7 @@
           <a:p>
             <a:fld id="{A81A36A7-36E7-0646-A127-2918D2CDE0B9}" type="datetime1">
               <a:rPr lang="en-US" smtClean="0"/>
-              <a:t>10/5/2013</a:t>
+              <a:t>10/6/2013</a:t>
             </a:fld>
             <a:endParaRPr lang="en-US"/>
           </a:p>
@@ -999,7 +999,7 @@
           <a:p>
             <a:fld id="{82605E26-E05F-2C42-A3E8-4D777783327E}" type="datetime1">
               <a:rPr lang="en-US" smtClean="0"/>
-              <a:t>10/5/2013</a:t>
+              <a:t>10/6/2013</a:t>
             </a:fld>
             <a:endParaRPr lang="en-US"/>
           </a:p>
@@ -1174,7 +1174,7 @@
           <a:p>
             <a:fld id="{1D104BC7-F9E8-DB4C-81F3-9D611099FDC1}" type="datetime1">
               <a:rPr lang="en-US" smtClean="0"/>
-              <a:t>10/5/2013</a:t>
+              <a:t>10/6/2013</a:t>
             </a:fld>
             <a:endParaRPr lang="en-US"/>
           </a:p>
@@ -1339,7 +1339,7 @@
           <a:p>
             <a:fld id="{3CA39466-905A-9442-AC9C-B59CCA223ECD}" type="datetime1">
               <a:rPr lang="en-US" smtClean="0"/>
-              <a:t>10/5/2013</a:t>
+              <a:t>10/6/2013</a:t>
             </a:fld>
             <a:endParaRPr lang="en-US"/>
           </a:p>
@@ -1580,7 +1580,7 @@
           <a:p>
             <a:fld id="{4593E49D-A072-9C40-9FEA-506624AFE44E}" type="datetime1">
               <a:rPr lang="en-US" smtClean="0"/>
-              <a:t>10/5/2013</a:t>
+              <a:t>10/6/2013</a:t>
             </a:fld>
             <a:endParaRPr lang="en-US"/>
           </a:p>
@@ -1863,7 +1863,7 @@
           <a:p>
             <a:fld id="{A5DF426D-DD9D-4245-9C41-5592303977E9}" type="datetime1">
               <a:rPr lang="en-US" smtClean="0"/>
-              <a:t>10/5/2013</a:t>
+              <a:t>10/6/2013</a:t>
             </a:fld>
             <a:endParaRPr lang="en-US"/>
           </a:p>
@@ -2292,7 +2292,7 @@
           <a:p>
             <a:fld id="{99EA5504-74F4-0D43-87A8-72D4D5553C7C}" type="datetime1">
               <a:rPr lang="en-US" smtClean="0"/>
-              <a:t>10/5/2013</a:t>
+              <a:t>10/6/2013</a:t>
             </a:fld>
             <a:endParaRPr lang="en-US"/>
           </a:p>
@@ -2405,7 +2405,7 @@
           <a:p>
             <a:fld id="{0266B2C2-8497-4948-B22D-4774622250E2}" type="datetime1">
               <a:rPr lang="en-US" smtClean="0"/>
-              <a:t>10/5/2013</a:t>
+              <a:t>10/6/2013</a:t>
             </a:fld>
             <a:endParaRPr lang="en-US"/>
           </a:p>
@@ -2495,7 +2495,7 @@
           <a:p>
             <a:fld id="{300877AA-40C4-354E-9F32-8FBB0F97559F}" type="datetime1">
               <a:rPr lang="en-US" smtClean="0"/>
-              <a:t>10/5/2013</a:t>
+              <a:t>10/6/2013</a:t>
             </a:fld>
             <a:endParaRPr lang="en-US"/>
           </a:p>
@@ -2684,7 +2684,7 @@
           <a:p>
             <a:fld id="{9C8930EF-17A6-C94B-A1D5-CA65A8B66ED0}" type="datetime1">
               <a:rPr lang="en-US" smtClean="0"/>
-              <a:t>10/5/2013</a:t>
+              <a:t>10/6/2013</a:t>
             </a:fld>
             <a:endParaRPr lang="en-US"/>
           </a:p>
@@ -3002,7 +3002,7 @@
           <a:p>
             <a:fld id="{17D5EC16-DF76-DD4A-A244-FD601146A7DC}" type="datetime1">
               <a:rPr lang="en-US" smtClean="0"/>
-              <a:t>10/5/2013</a:t>
+              <a:t>10/6/2013</a:t>
             </a:fld>
             <a:endParaRPr lang="en-US"/>
           </a:p>
@@ -3381,7 +3381,7 @@
           <a:p>
             <a:fld id="{C4343423-2601-CD4D-AF7E-7A2A726B4B4C}" type="datetime1">
               <a:rPr lang="en-US" smtClean="0"/>
-              <a:t>10/5/2013</a:t>
+              <a:t>10/6/2013</a:t>
             </a:fld>
             <a:endParaRPr lang="en-US"/>
           </a:p>
@@ -4152,15 +4152,7 @@
             </a:pPr>
             <a:r>
               <a:rPr lang="en-US" dirty="0" smtClean="0"/>
-              <a:t>Create a </a:t>
-            </a:r>
-            <a:r>
-              <a:rPr lang="en-US" dirty="0" smtClean="0"/>
-              <a:t>project </a:t>
-            </a:r>
-            <a:r>
-              <a:rPr lang="en-US" dirty="0" smtClean="0"/>
-              <a:t>management software tool to allow small to medium sized companies to keep track of ongoing projects, employees, and costs. This tool shall allow the company to perform resource tracking, produce cost reports, and velocity tracking.  This system will be developed by a small agile team consisting of three hard working developers.</a:t>
+              <a:t>Create a project management software tool to allow small to medium sized companies to keep track of ongoing projects, employees, and costs. This tool shall allow the company to perform resource tracking, produce cost reports, and velocity tracking.  This system will be developed by a small agile team consisting of three hard working developers.</a:t>
             </a:r>
           </a:p>
           <a:p>
@@ -4382,11 +4374,7 @@
           <a:p>
             <a:r>
               <a:rPr lang="en-US" dirty="0" smtClean="0"/>
-              <a:t>Database </a:t>
-            </a:r>
-            <a:r>
-              <a:rPr lang="en-US" dirty="0" smtClean="0"/>
-              <a:t>Design</a:t>
+              <a:t>Database Design</a:t>
             </a:r>
           </a:p>
           <a:p>
@@ -4404,7 +4392,6 @@
               <a:rPr lang="en-US" dirty="0" smtClean="0"/>
               <a:t>Management</a:t>
             </a:r>
-            <a:endParaRPr lang="en-US" dirty="0" smtClean="0"/>
           </a:p>
           <a:p>
             <a:r>
@@ -4421,25 +4408,13 @@
           <a:p>
             <a:r>
               <a:rPr lang="en-US" dirty="0" smtClean="0"/>
-              <a:t>Role </a:t>
-            </a:r>
+              <a:t>Role Management </a:t>
+            </a:r>
+          </a:p>
+          <a:p>
             <a:r>
               <a:rPr lang="en-US" dirty="0" smtClean="0"/>
-              <a:t>Management </a:t>
-            </a:r>
-          </a:p>
-          <a:p>
-            <a:r>
-              <a:rPr lang="en-US" dirty="0" smtClean="0"/>
-              <a:t>Compa</a:t>
-            </a:r>
-            <a:r>
-              <a:rPr lang="en-US" dirty="0" smtClean="0"/>
-              <a:t>ny</a:t>
-            </a:r>
-            <a:r>
-              <a:rPr lang="en-US" dirty="0" smtClean="0"/>
-              <a:t> Properties</a:t>
+              <a:t>Company Properties</a:t>
             </a:r>
           </a:p>
           <a:p>
@@ -4982,11 +4957,7 @@
           <a:p>
             <a:r>
               <a:rPr lang="en-US" dirty="0" smtClean="0"/>
-              <a:t>Role</a:t>
-            </a:r>
-            <a:r>
-              <a:rPr lang="en-US" dirty="0" smtClean="0"/>
-              <a:t> Management</a:t>
+              <a:t>Role Management</a:t>
             </a:r>
             <a:endParaRPr lang="en-US" dirty="0"/>
           </a:p>
@@ -5135,52 +5106,8 @@
           <a:p>
             <a:r>
               <a:rPr lang="en-US" dirty="0" smtClean="0"/>
-              <a:t>Company Properties</a:t>
-            </a:r>
-            <a:endParaRPr lang="en-US" dirty="0"/>
-          </a:p>
-        </p:txBody>
-      </p:sp>
-      <p:sp>
-        <p:nvSpPr>
-          <p:cNvPr id="3" name="Content Placeholder 2"/>
-          <p:cNvSpPr>
-            <a:spLocks noGrp="1"/>
-          </p:cNvSpPr>
-          <p:nvPr>
-            <p:ph idx="1"/>
-          </p:nvPr>
-        </p:nvSpPr>
-        <p:spPr/>
-        <p:txBody>
-          <a:bodyPr/>
-          <a:lstStyle/>
-          <a:p>
-            <a:r>
-              <a:rPr lang="en-US" dirty="0" smtClean="0"/>
-              <a:t>?</a:t>
-            </a:r>
-            <a:endParaRPr lang="en-US" dirty="0" smtClean="0"/>
-          </a:p>
-          <a:p>
-            <a:endParaRPr lang="en-US" dirty="0" smtClean="0"/>
-          </a:p>
-          <a:p>
-            <a:pPr marL="114300" indent="0">
-              <a:buNone/>
-            </a:pPr>
-            <a:endParaRPr lang="en-US" dirty="0" smtClean="0"/>
-          </a:p>
-          <a:p>
-            <a:pPr marL="114300" indent="0">
-              <a:buNone/>
-            </a:pPr>
-            <a:endParaRPr lang="en-US" dirty="0" smtClean="0"/>
-          </a:p>
-          <a:p>
-            <a:pPr marL="114300" indent="0">
-              <a:buNone/>
-            </a:pPr>
+              <a:t>Domain Diagram</a:t>
+            </a:r>
             <a:endParaRPr lang="en-US" dirty="0"/>
           </a:p>
         </p:txBody>
@@ -5208,6 +5135,60 @@
           </a:p>
         </p:txBody>
       </p:sp>
+      <p:pic>
+        <p:nvPicPr>
+          <p:cNvPr id="1026" name="Picture 2"/>
+          <p:cNvPicPr>
+            <a:picLocks noChangeAspect="1" noChangeArrowheads="1"/>
+          </p:cNvPicPr>
+          <p:nvPr/>
+        </p:nvPicPr>
+        <p:blipFill>
+          <a:blip r:embed="rId2">
+            <a:extLst>
+              <a:ext uri="{28A0092B-C50C-407E-A947-70E740481C1C}">
+                <a14:useLocalDpi xmlns:a14="http://schemas.microsoft.com/office/drawing/2010/main" val="0"/>
+              </a:ext>
+            </a:extLst>
+          </a:blip>
+          <a:srcRect/>
+          <a:stretch>
+            <a:fillRect/>
+          </a:stretch>
+        </p:blipFill>
+        <p:spPr bwMode="auto">
+          <a:xfrm>
+            <a:off x="838200" y="1447800"/>
+            <a:ext cx="6572250" cy="4495800"/>
+          </a:xfrm>
+          <a:prstGeom prst="rect">
+            <a:avLst/>
+          </a:prstGeom>
+          <a:noFill/>
+          <a:ln>
+            <a:noFill/>
+          </a:ln>
+          <a:extLst>
+            <a:ext uri="{909E8E84-426E-40DD-AFC4-6F175D3DCCD1}">
+              <a14:hiddenFill xmlns:a14="http://schemas.microsoft.com/office/drawing/2010/main">
+                <a:solidFill>
+                  <a:schemeClr val="accent1"/>
+                </a:solidFill>
+              </a14:hiddenFill>
+            </a:ext>
+            <a:ext uri="{91240B29-F687-4F45-9708-019B960494DF}">
+              <a14:hiddenLine xmlns:a14="http://schemas.microsoft.com/office/drawing/2010/main" w="9525">
+                <a:solidFill>
+                  <a:schemeClr val="tx1"/>
+                </a:solidFill>
+                <a:miter lim="800000"/>
+                <a:headEnd/>
+                <a:tailEnd/>
+              </a14:hiddenLine>
+            </a:ext>
+          </a:extLst>
+        </p:spPr>
+      </p:pic>
     </p:spTree>
     <p:extLst>
       <p:ext uri="{BB962C8B-B14F-4D97-AF65-F5344CB8AC3E}">
